--- a/Presentation/5_RME_API.pptx
+++ b/Presentation/5_RME_API.pptx
@@ -352,7 +352,7 @@
               <a:pPr>
                 <a:defRPr/>
               </a:pPr>
-              <a:t>2/29/20</a:t>
+              <a:t>06-May-20</a:t>
             </a:fld>
             <a:endParaRPr lang="en-US" dirty="0"/>
           </a:p>
@@ -576,7 +576,7 @@
               <a:pPr>
                 <a:defRPr/>
               </a:pPr>
-              <a:t>2/29/20</a:t>
+              <a:t>06-May-20</a:t>
             </a:fld>
             <a:endParaRPr lang="en-US" dirty="0"/>
           </a:p>
@@ -5394,23 +5394,23 @@
           <a:lstStyle/>
           <a:p>
             <a:r>
-              <a:rPr lang="en-US"/>
+              <a:rPr lang="en-US" dirty="0"/>
               <a:t>Open </a:t>
             </a:r>
           </a:p>
           <a:p>
-            <a:endParaRPr lang="en-US"/>
-          </a:p>
-          <a:p>
-            <a:r>
-              <a:rPr lang="en-US"/>
-              <a:t>C:\a\lib\revit\2012\SDK\Samples\GeometryAPI\EnergyAnalysisModel\EnergyAnalysisModel.rvt</a:t>
-            </a:r>
-          </a:p>
-          <a:p>
-            <a:r>
-              <a:rPr lang="en-US"/>
-              <a:t>C:\a\doc\revit\au\2011\sample\Urban House MEP - 2012.rvt</a:t>
+            <a:endParaRPr lang="en-US" dirty="0"/>
+          </a:p>
+          <a:p>
+            <a:r>
+              <a:rPr lang="en-US" dirty="0"/>
+              <a:t>C:\a\lib\revit\2020\SDK\Samples\GeometryAPI\EnergyAnalysisModel\EnergyAnalysisModel.rvt</a:t>
+            </a:r>
+          </a:p>
+          <a:p>
+            <a:r>
+              <a:rPr lang="en-US" dirty="0"/>
+              <a:t>C:\a\doc\revit\au\2020\sample\Urban House MEP - 2012.rvt</a:t>
             </a:r>
           </a:p>
           <a:p>
@@ -6060,7 +6060,7 @@
           <p:nvPr userDrawn="1"/>
         </p:nvPicPr>
         <p:blipFill>
-          <a:blip r:embed="rId3">
+          <a:blip r:embed="rId3" cstate="print">
             <a:extLst>
               <a:ext uri="{28A0092B-C50C-407E-A947-70E740481C1C}">
                 <a14:useLocalDpi xmlns:a14="http://schemas.microsoft.com/office/drawing/2010/main" val="0"/>
@@ -7660,71 +7660,115 @@
           <a:lstStyle/>
           <a:p>
             <a:r>
-              <a:rPr lang="en-US"/>
+              <a:rPr lang="en-US" dirty="0"/>
               <a:t>Architectural rooms are unsuitable for MEP analysis</a:t>
             </a:r>
           </a:p>
           <a:p>
             <a:pPr lvl="1"/>
             <a:r>
-              <a:rPr lang="en-US"/>
-              <a:t>Wrong height, often too large for analysed region</a:t>
-            </a:r>
-          </a:p>
-          <a:p>
-            <a:r>
-              <a:rPr lang="en-US"/>
+              <a:rPr lang="en-US" dirty="0"/>
+              <a:t>Wrong height, often too large for </a:t>
+            </a:r>
+            <a:r>
+              <a:rPr lang="en-US" dirty="0" err="1"/>
+              <a:t>analysed</a:t>
+            </a:r>
+            <a:r>
+              <a:rPr lang="en-US" dirty="0"/>
+              <a:t> region</a:t>
+            </a:r>
+          </a:p>
+          <a:p>
+            <a:r>
+              <a:rPr lang="en-US" dirty="0"/>
               <a:t>MEP uses space instead of room, and zone to manage spaces</a:t>
             </a:r>
           </a:p>
           <a:p>
             <a:r>
-              <a:rPr lang="en-US"/>
+              <a:rPr lang="en-US" dirty="0"/>
               <a:t>Rooms can be subdivided into exterior and interior subspaces</a:t>
             </a:r>
           </a:p>
           <a:p>
             <a:r>
-              <a:rPr lang="en-GB"/>
-              <a:t>AddSpaceAndZone SDK sample</a:t>
-            </a:r>
-          </a:p>
-          <a:p>
-            <a:pPr lvl="1"/>
-            <a:r>
-              <a:rPr lang="en-GB"/>
+              <a:rPr lang="en-GB" dirty="0" err="1"/>
+              <a:t>AddSpaceAndZone</a:t>
+            </a:r>
+            <a:r>
+              <a:rPr lang="en-GB" dirty="0"/>
+              <a:t> SDK sample</a:t>
+            </a:r>
+          </a:p>
+          <a:p>
+            <a:pPr lvl="1"/>
+            <a:r>
+              <a:rPr lang="en-GB" dirty="0"/>
               <a:t>Programmatic creation and management of spaces and zones</a:t>
             </a:r>
           </a:p>
           <a:p>
             <a:r>
-              <a:rPr lang="en-GB"/>
-              <a:t>FamilyInstance class has Room and Space properties</a:t>
+              <a:rPr lang="en-GB" dirty="0" err="1"/>
+              <a:t>FamilyInstance</a:t>
+            </a:r>
+            <a:r>
+              <a:rPr lang="en-GB" dirty="0"/>
+              <a:t> class has Room and Space properties</a:t>
             </a:r>
           </a:p>
           <a:p>
             <a:pPr lvl="4"/>
-            <a:endParaRPr lang="en-GB"/>
+            <a:endParaRPr lang="en-GB" dirty="0"/>
           </a:p>
           <a:p>
             <a:pPr lvl="4"/>
             <a:r>
-              <a:rPr lang="en-GB"/>
-              <a:t>FamilyInstance fi; // get a family instance</a:t>
+              <a:rPr lang="en-GB" dirty="0" err="1"/>
+              <a:t>FamilyInstance</a:t>
+            </a:r>
+            <a:r>
+              <a:rPr lang="en-GB" dirty="0"/>
+              <a:t> fi; // get a family instance</a:t>
             </a:r>
           </a:p>
           <a:p>
             <a:pPr lvl="4"/>
             <a:r>
-              <a:rPr lang="en-GB"/>
-              <a:t>Space space = fi.Space; // query space containing it</a:t>
+              <a:rPr lang="en-GB" dirty="0"/>
+              <a:t>Space </a:t>
+            </a:r>
+            <a:r>
+              <a:rPr lang="en-GB" dirty="0" err="1"/>
+              <a:t>space</a:t>
+            </a:r>
+            <a:r>
+              <a:rPr lang="en-GB" dirty="0"/>
+              <a:t> = </a:t>
+            </a:r>
+            <a:r>
+              <a:rPr lang="en-GB" dirty="0" err="1"/>
+              <a:t>fi.Space</a:t>
+            </a:r>
+            <a:r>
+              <a:rPr lang="en-GB" dirty="0"/>
+              <a:t>; // query space containing it</a:t>
             </a:r>
           </a:p>
           <a:p>
             <a:pPr lvl="4"/>
             <a:r>
-              <a:rPr lang="en-GB"/>
-              <a:t>Space space2 = fi.get_Space( phase ); // space in a specific phase</a:t>
+              <a:rPr lang="en-GB" dirty="0"/>
+              <a:t>Space space2 = </a:t>
+            </a:r>
+            <a:r>
+              <a:rPr lang="en-GB" dirty="0" err="1"/>
+              <a:t>fi.get_Space</a:t>
+            </a:r>
+            <a:r>
+              <a:rPr lang="en-GB" dirty="0"/>
+              <a:t>( phase ); // space in a specific phase</a:t>
             </a:r>
             <a:endParaRPr lang="en-US" dirty="0"/>
           </a:p>
@@ -9984,8 +10028,12 @@
           <a:p>
             <a:pPr lvl="1"/>
             <a:r>
-              <a:rPr lang="en-GB" dirty="0"/>
-              <a:t>NewDuct, NewFlexDuct, NewPipe, NewFlexPipe</a:t>
+              <a:rPr lang="en-GB" dirty="0" err="1"/>
+              <a:t>NewFlexDuct</a:t>
+            </a:r>
+            <a:r>
+              <a:rPr lang="en-GB" dirty="0"/>
+              <a:t>, NewFlexPipe</a:t>
             </a:r>
           </a:p>
           <a:p>
@@ -9997,55 +10045,39 @@
           <a:p>
             <a:pPr lvl="1"/>
             <a:r>
-              <a:rPr lang="en-GB"/>
-              <a:t>New...Fitting </a:t>
-            </a:r>
-            <a:r>
-              <a:rPr lang="en-GB" dirty="0"/>
-              <a:t>for Cross, Elbow, TakeOff, TeeFitting, Transition, Union</a:t>
-            </a:r>
-          </a:p>
-          <a:p>
-            <a:r>
-              <a:rPr lang="en-GB" dirty="0"/>
-              <a:t>New </a:t>
-            </a:r>
-            <a:r>
-              <a:rPr lang="en-GB"/>
-              <a:t>classes Conduit, CableTray </a:t>
-            </a:r>
-            <a:r>
-              <a:rPr lang="en-GB" dirty="0"/>
-              <a:t>provide static Create methods</a:t>
-            </a:r>
-          </a:p>
-          <a:p>
-            <a:r>
-              <a:rPr lang="en-GB"/>
+              <a:rPr lang="en-GB" dirty="0"/>
+              <a:t>New...Fitting for Cross, Elbow, TakeOff, TeeFitting, Transition, Union</a:t>
+            </a:r>
+          </a:p>
+          <a:p>
+            <a:r>
+              <a:rPr lang="en-GB" dirty="0"/>
+              <a:t>New classes Conduit, </a:t>
+            </a:r>
+            <a:r>
+              <a:rPr lang="en-GB" dirty="0" err="1"/>
+              <a:t>CableTray</a:t>
+            </a:r>
+            <a:r>
+              <a:rPr lang="en-GB" dirty="0"/>
+              <a:t> provide static Create methods</a:t>
+            </a:r>
+          </a:p>
+          <a:p>
+            <a:r>
+              <a:rPr lang="en-GB" dirty="0"/>
               <a:t>Connector elements</a:t>
             </a:r>
           </a:p>
           <a:p>
             <a:pPr lvl="1"/>
             <a:r>
-              <a:rPr lang="en-GB"/>
-              <a:t>Created </a:t>
-            </a:r>
-            <a:r>
-              <a:rPr lang="en-GB" dirty="0"/>
-              <a:t>in the </a:t>
-            </a:r>
-            <a:r>
-              <a:rPr lang="en-GB"/>
-              <a:t>family context using </a:t>
-            </a:r>
-            <a:r>
-              <a:rPr lang="en-US"/>
-              <a:t>methods </a:t>
+              <a:rPr lang="en-GB" dirty="0"/>
+              <a:t>Created in the family context using </a:t>
             </a:r>
             <a:r>
               <a:rPr lang="en-US" dirty="0"/>
-              <a:t>on FamilyItemFactory </a:t>
+              <a:t>methods on FamilyItemFactory </a:t>
             </a:r>
           </a:p>
           <a:p>
@@ -10287,10 +10319,9 @@
           <a:lstStyle/>
           <a:p>
             <a:r>
-              <a:rPr lang="en-GB" noProof="0"/>
+              <a:rPr lang="en-GB" noProof="0" dirty="0"/>
               <a:t>Revit MEP 2011 API Enhancements</a:t>
             </a:r>
-            <a:endParaRPr lang="en-GB" noProof="0" dirty="0"/>
           </a:p>
         </p:txBody>
       </p:sp>
@@ -14389,24 +14420,20 @@
           <a:p>
             <a:r>
               <a:rPr lang="en-US" noProof="0" dirty="0"/>
-              <a:t>Two hundred lines </a:t>
-            </a:r>
-            <a:r>
-              <a:rPr lang="en-US" noProof="0"/>
-              <a:t>of code</a:t>
-            </a:r>
-          </a:p>
-          <a:p>
-            <a:r>
-              <a:rPr lang="en-US"/>
-              <a:t>My First Revit 2011 Add-in</a:t>
+              <a:t>Two hundred lines of code</a:t>
+            </a:r>
+          </a:p>
+          <a:p>
+            <a:r>
+              <a:rPr lang="en-US" dirty="0"/>
+              <a:t>My First Revit 2020 Add-in</a:t>
             </a:r>
             <a:endParaRPr lang="en-US" noProof="0" dirty="0"/>
           </a:p>
           <a:p>
             <a:r>
               <a:rPr lang="en-US" noProof="0" dirty="0"/>
-              <a:t>Illustrates all major Revit 2011 API renovations</a:t>
+              <a:t>Illustrates all major Revit 2020 API renovations</a:t>
             </a:r>
             <a:endParaRPr lang="en-GB" dirty="0"/>
           </a:p>
@@ -16988,6 +17015,37 @@
 </file>
 
 <file path=customXml/item1.xml><?xml version="1.0" encoding="utf-8"?>
+<p:properties xmlns:p="http://schemas.microsoft.com/office/2006/metadata/properties" xmlns:xsi="http://www.w3.org/2001/XMLSchema-instance">
+  <documentManagement>
+    <Date_x0020_Published xmlns="173a1098-70f6-433d-bc61-cdeac2da641a">2010-08-09T07:00:00+00:00</Date_x0020_Published>
+    <Media_x0020_Description xmlns="173a1098-70f6-433d-bc61-cdeac2da641a">The Autodesk Corporate Overview presentation contains top-level messaging, industry overviews, and corporate financial information. This can be augmented with other content. The 4x3 format is recommended for most projectors and monitors.</Media_x0020_Description>
+    <Image xmlns="173a1098-70f6-433d-bc61-cdeac2da641a">
+      <Url>https://share.autodesk.com/Marketing/templates/Corporate%20Overview%20Images/08_09_10_Corporate_Overview_thumb.jpg</Url>
+      <Description xsi:nil="true"/>
+    </Image>
+    <Number_x0020_Ordering xmlns="173a1098-70f6-433d-bc61-cdeac2da641a">3</Number_x0020_Ordering>
+    <Doc_x0020_Title xmlns="173a1098-70f6-433d-bc61-cdeac2da641a">Autodesk Corporate Overview—4x3 PPT version</Doc_x0020_Title>
+    <Author0 xmlns="173a1098-70f6-433d-bc61-cdeac2da641a">
+      <UserInfo>
+        <DisplayName>Jana Hildebrand</DisplayName>
+        <AccountId>4232</AccountId>
+        <AccountType/>
+      </UserInfo>
+    </Author0>
+    <Doc_x0020_URL xmlns="173a1098-70f6-433d-bc61-cdeac2da641a">
+      <Url xsi:nil="true"/>
+      <Description xsi:nil="true"/>
+    </Doc_x0020_URL>
+    <Industry xmlns="173a1098-70f6-433d-bc61-cdeac2da641a">Corporate</Industry>
+    <File_x0020_Type0 xmlns="173a1098-70f6-433d-bc61-cdeac2da641a">
+      <Url xsi:nil="true"/>
+      <Description xsi:nil="true"/>
+    </File_x0020_Type0>
+  </documentManagement>
+</p:properties>
+</file>
+
+<file path=customXml/item2.xml><?xml version="1.0" encoding="utf-8"?>
 <ct:contentTypeSchema xmlns:ct="http://schemas.microsoft.com/office/2006/metadata/contentType" xmlns:ma="http://schemas.microsoft.com/office/2006/metadata/properties/metaAttributes" ct:_="" ma:_="" ma:contentTypeName="Document" ma:contentTypeID="0x010100B39C2C6EA393E243B0C1948D07E8D792" ma:contentTypeVersion="0" ma:contentTypeDescription="Create a new document." ma:contentTypeScope="" ma:versionID="899509aeaed6bcc483808113040566c9">
   <xsd:schema xmlns:xsd="http://www.w3.org/2001/XMLSchema" xmlns:xs="http://www.w3.org/2001/XMLSchema" xmlns:p="http://schemas.microsoft.com/office/2006/metadata/properties" xmlns:ns2="173a1098-70f6-433d-bc61-cdeac2da641a" targetNamespace="http://schemas.microsoft.com/office/2006/metadata/properties" ma:root="true" ma:fieldsID="0b675f8fd51dcef7bf0a1cb3b693b7db" ns2:_="">
     <xsd:import namespace="173a1098-70f6-433d-bc61-cdeac2da641a"/>
@@ -17212,7 +17270,7 @@
 </ct:contentTypeSchema>
 </file>
 
-<file path=customXml/item2.xml><?xml version="1.0" encoding="utf-8"?>
+<file path=customXml/item3.xml><?xml version="1.0" encoding="utf-8"?>
 <?mso-contentType ?>
 <FormTemplates xmlns="http://schemas.microsoft.com/sharepoint/v3/contenttype/forms">
   <Display>DocumentLibraryForm</Display>
@@ -17221,38 +17279,23 @@
 </FormTemplates>
 </file>
 
-<file path=customXml/item3.xml><?xml version="1.0" encoding="utf-8"?>
-<p:properties xmlns:p="http://schemas.microsoft.com/office/2006/metadata/properties" xmlns:xsi="http://www.w3.org/2001/XMLSchema-instance">
-  <documentManagement>
-    <Date_x0020_Published xmlns="173a1098-70f6-433d-bc61-cdeac2da641a">2010-08-09T07:00:00+00:00</Date_x0020_Published>
-    <Media_x0020_Description xmlns="173a1098-70f6-433d-bc61-cdeac2da641a">The Autodesk Corporate Overview presentation contains top-level messaging, industry overviews, and corporate financial information. This can be augmented with other content. The 4x3 format is recommended for most projectors and monitors.</Media_x0020_Description>
-    <Image xmlns="173a1098-70f6-433d-bc61-cdeac2da641a">
-      <Url>https://share.autodesk.com/Marketing/templates/Corporate%20Overview%20Images/08_09_10_Corporate_Overview_thumb.jpg</Url>
-      <Description xsi:nil="true"/>
-    </Image>
-    <Number_x0020_Ordering xmlns="173a1098-70f6-433d-bc61-cdeac2da641a">3</Number_x0020_Ordering>
-    <Doc_x0020_Title xmlns="173a1098-70f6-433d-bc61-cdeac2da641a">Autodesk Corporate Overview—4x3 PPT version</Doc_x0020_Title>
-    <Author0 xmlns="173a1098-70f6-433d-bc61-cdeac2da641a">
-      <UserInfo>
-        <DisplayName>Jana Hildebrand</DisplayName>
-        <AccountId>4232</AccountId>
-        <AccountType/>
-      </UserInfo>
-    </Author0>
-    <Doc_x0020_URL xmlns="173a1098-70f6-433d-bc61-cdeac2da641a">
-      <Url xsi:nil="true"/>
-      <Description xsi:nil="true"/>
-    </Doc_x0020_URL>
-    <Industry xmlns="173a1098-70f6-433d-bc61-cdeac2da641a">Corporate</Industry>
-    <File_x0020_Type0 xmlns="173a1098-70f6-433d-bc61-cdeac2da641a">
-      <Url xsi:nil="true"/>
-      <Description xsi:nil="true"/>
-    </File_x0020_Type0>
-  </documentManagement>
-</p:properties>
+<file path=customXml/itemProps1.xml><?xml version="1.0" encoding="utf-8"?>
+<ds:datastoreItem xmlns:ds="http://schemas.openxmlformats.org/officeDocument/2006/customXml" ds:itemID="{AA38C631-2E87-4D85-8548-5D452E157EE2}">
+  <ds:schemaRefs>
+    <ds:schemaRef ds:uri="http://schemas.microsoft.com/office/2006/metadata/properties"/>
+    <ds:schemaRef ds:uri="http://schemas.openxmlformats.org/package/2006/metadata/core-properties"/>
+    <ds:schemaRef ds:uri="http://schemas.microsoft.com/office/infopath/2007/PartnerControls"/>
+    <ds:schemaRef ds:uri="http://www.w3.org/XML/1998/namespace"/>
+    <ds:schemaRef ds:uri="http://purl.org/dc/elements/1.1/"/>
+    <ds:schemaRef ds:uri="http://schemas.microsoft.com/office/2006/documentManagement/types"/>
+    <ds:schemaRef ds:uri="http://purl.org/dc/terms/"/>
+    <ds:schemaRef ds:uri="173a1098-70f6-433d-bc61-cdeac2da641a"/>
+    <ds:schemaRef ds:uri="http://purl.org/dc/dcmitype/"/>
+  </ds:schemaRefs>
+</ds:datastoreItem>
 </file>
 
-<file path=customXml/itemProps1.xml><?xml version="1.0" encoding="utf-8"?>
+<file path=customXml/itemProps2.xml><?xml version="1.0" encoding="utf-8"?>
 <ds:datastoreItem xmlns:ds="http://schemas.openxmlformats.org/officeDocument/2006/customXml" ds:itemID="{1D5C3C5B-3F6D-4D79-9C57-93130C8B918D}">
   <ds:schemaRefs>
     <ds:schemaRef ds:uri="http://schemas.microsoft.com/office/2006/metadata/contentType"/>
@@ -17270,26 +17313,10 @@
 </ds:datastoreItem>
 </file>
 
-<file path=customXml/itemProps2.xml><?xml version="1.0" encoding="utf-8"?>
+<file path=customXml/itemProps3.xml><?xml version="1.0" encoding="utf-8"?>
 <ds:datastoreItem xmlns:ds="http://schemas.openxmlformats.org/officeDocument/2006/customXml" ds:itemID="{05DE7D26-623C-4E20-905C-E4AA82C27D5E}">
   <ds:schemaRefs>
     <ds:schemaRef ds:uri="http://schemas.microsoft.com/sharepoint/v3/contenttype/forms"/>
   </ds:schemaRefs>
 </ds:datastoreItem>
-</file>
-
-<file path=customXml/itemProps3.xml><?xml version="1.0" encoding="utf-8"?>
-<ds:datastoreItem xmlns:ds="http://schemas.openxmlformats.org/officeDocument/2006/customXml" ds:itemID="{AA38C631-2E87-4D85-8548-5D452E157EE2}">
-  <ds:schemaRefs>
-    <ds:schemaRef ds:uri="http://schemas.microsoft.com/office/2006/metadata/properties"/>
-    <ds:schemaRef ds:uri="http://schemas.openxmlformats.org/package/2006/metadata/core-properties"/>
-    <ds:schemaRef ds:uri="http://schemas.microsoft.com/office/infopath/2007/PartnerControls"/>
-    <ds:schemaRef ds:uri="http://www.w3.org/XML/1998/namespace"/>
-    <ds:schemaRef ds:uri="http://purl.org/dc/elements/1.1/"/>
-    <ds:schemaRef ds:uri="http://schemas.microsoft.com/office/2006/documentManagement/types"/>
-    <ds:schemaRef ds:uri="http://purl.org/dc/terms/"/>
-    <ds:schemaRef ds:uri="173a1098-70f6-433d-bc61-cdeac2da641a"/>
-    <ds:schemaRef ds:uri="http://purl.org/dc/dcmitype/"/>
-  </ds:schemaRefs>
-</ds:datastoreItem>
 </file>
--- a/Presentation/5_RME_API.pptx
+++ b/Presentation/5_RME_API.pptx
@@ -352,7 +352,7 @@
               <a:pPr>
                 <a:defRPr/>
               </a:pPr>
-              <a:t>06-May-20</a:t>
+              <a:t>08-May-20</a:t>
             </a:fld>
             <a:endParaRPr lang="en-US" dirty="0"/>
           </a:p>
@@ -576,7 +576,7 @@
               <a:pPr>
                 <a:defRPr/>
               </a:pPr>
-              <a:t>06-May-20</a:t>
+              <a:t>08-May-20</a:t>
             </a:fld>
             <a:endParaRPr lang="en-US" dirty="0"/>
           </a:p>
@@ -3368,7 +3368,7 @@
               <a:defRPr/>
             </a:pPr>
             <a:r>
-              <a:rPr lang="en-GB" sz="1000" kern="1200" baseline="0">
+              <a:rPr lang="en-GB" sz="1000" kern="1200" baseline="0" dirty="0">
                 <a:solidFill>
                   <a:schemeClr val="tx1"/>
                 </a:solidFill>
@@ -3376,7 +3376,29 @@
                 <a:ea typeface="+mn-ea"/>
                 <a:cs typeface="+mn-cs"/>
               </a:rPr>
-              <a:t>In Revit MEP 2012, you can only define one single default elbow, tee, etc., which is rather limiting. In Revit 2013, however, numerous different setting for different materials and sizes are supported. One of the major MEP API additions provides access to the routing preferences, as demonstrated by the new Routing Preference Analysis SDK sample. Enhancements include programmatic selection of pipe sizes, materials, fitting types, calculation of pipe and duct friction factors, better handling of duct and pipe sections with the new MEPSection base class, handling of viscosity and density at specified temperatures, read and write access to spare circuit values, and retrieval of the localised user-visible display strings for enumeration values.</a:t>
+              <a:t>In Revit MEP 2012, you can only define one single default elbow, tee, etc., which is rather limiting. In Revit 2013, however, numerous different setting for different materials and sizes are supported. One of the major MEP API additions provides access to the routing preferences, as demonstrated by the new Routing Preference Analysis SDK sample. Enhancements include programmatic selection of pipe sizes, materials, fitting types, calculation of pipe and duct friction factors, better handling of duct and pipe sections with the new </a:t>
+            </a:r>
+            <a:r>
+              <a:rPr lang="en-GB" sz="1000" kern="1200" baseline="0" dirty="0" err="1">
+                <a:solidFill>
+                  <a:schemeClr val="tx1"/>
+                </a:solidFill>
+                <a:latin typeface="Calibri" pitchFamily="34" charset="0"/>
+                <a:ea typeface="+mn-ea"/>
+                <a:cs typeface="+mn-cs"/>
+              </a:rPr>
+              <a:t>MEPSection</a:t>
+            </a:r>
+            <a:r>
+              <a:rPr lang="en-GB" sz="1000" kern="1200" baseline="0" dirty="0">
+                <a:solidFill>
+                  <a:schemeClr val="tx1"/>
+                </a:solidFill>
+                <a:latin typeface="Calibri" pitchFamily="34" charset="0"/>
+                <a:ea typeface="+mn-ea"/>
+                <a:cs typeface="+mn-cs"/>
+              </a:rPr>
+              <a:t> base class, handling of viscosity and density at specified temperatures, read and write access to spare circuit values, and retrieval of the localised user-visible display strings for enumeration values.</a:t>
             </a:r>
           </a:p>
           <a:p>
@@ -3398,7 +3420,7 @@
               <a:defRPr/>
             </a:pPr>
             <a:r>
-              <a:rPr lang="en-GB" sz="1600" kern="1200">
+              <a:rPr lang="en-GB" sz="1600" kern="1200" dirty="0">
                 <a:solidFill>
                   <a:schemeClr val="tx1"/>
                 </a:solidFill>
@@ -3406,7 +3428,51 @@
                 <a:ea typeface="+mn-ea"/>
                 <a:cs typeface="+mn-cs"/>
               </a:rPr>
-              <a:t>New physical properties include a new class ThermalProperties, an additional structural material element, structural and thermal material assets that can be shared, and the ability to indicate if thermal information is included in the gbXML export.</a:t>
+              <a:t>New physical properties include a new class </a:t>
+            </a:r>
+            <a:r>
+              <a:rPr lang="en-GB" sz="1600" kern="1200" dirty="0" err="1">
+                <a:solidFill>
+                  <a:schemeClr val="tx1"/>
+                </a:solidFill>
+                <a:latin typeface="+mn-lt"/>
+                <a:ea typeface="+mn-ea"/>
+                <a:cs typeface="+mn-cs"/>
+              </a:rPr>
+              <a:t>ThermalProperties</a:t>
+            </a:r>
+            <a:r>
+              <a:rPr lang="en-GB" sz="1600" kern="1200" dirty="0">
+                <a:solidFill>
+                  <a:schemeClr val="tx1"/>
+                </a:solidFill>
+                <a:latin typeface="+mn-lt"/>
+                <a:ea typeface="+mn-ea"/>
+                <a:cs typeface="+mn-cs"/>
+              </a:rPr>
+              <a:t>, an additional structural material element, structural and thermal material assets that can be shared, and the ability to indicate if thermal information is included in the </a:t>
+            </a:r>
+            <a:r>
+              <a:rPr lang="en-GB" sz="1600" kern="1200" dirty="0" err="1">
+                <a:solidFill>
+                  <a:schemeClr val="tx1"/>
+                </a:solidFill>
+                <a:latin typeface="+mn-lt"/>
+                <a:ea typeface="+mn-ea"/>
+                <a:cs typeface="+mn-cs"/>
+              </a:rPr>
+              <a:t>gbXML</a:t>
+            </a:r>
+            <a:r>
+              <a:rPr lang="en-GB" sz="1600" kern="1200" dirty="0">
+                <a:solidFill>
+                  <a:schemeClr val="tx1"/>
+                </a:solidFill>
+                <a:latin typeface="+mn-lt"/>
+                <a:ea typeface="+mn-ea"/>
+                <a:cs typeface="+mn-cs"/>
+              </a:rPr>
+              <a:t> export.</a:t>
             </a:r>
           </a:p>
         </p:txBody>
@@ -3483,7 +3549,7 @@
               <a:defRPr/>
             </a:pPr>
             <a:r>
-              <a:rPr lang="en-GB" sz="900" kern="1200" baseline="0">
+              <a:rPr lang="en-GB" sz="900" kern="1200" baseline="0" dirty="0">
                 <a:solidFill>
                   <a:schemeClr val="tx1"/>
                 </a:solidFill>
@@ -3491,7 +3557,29 @@
                 <a:ea typeface="+mn-ea"/>
                 <a:cs typeface="+mn-cs"/>
               </a:rPr>
-              <a:t>In Revit MEP 2012, you can only define one single default elbow, tee, etc., which is rather limiting. In Revit 2013, numerous different setting for different materials and sizes are supported. One of the major MEP API additions provides access to the routing preferences, as demonstrated by the new Routing Preference Analysis SDK sample. Enhancements include programmatic selection of pipe sizes, materials, fitting types, calculation of pipe and duct friction factors, better handling of duct and pipe sections with the new MEPSection base class, handling of viscosity and density at specified temperatures, read and write access to spare circuit values, and retrieval of the localised user-visible display strings for enumeration values.</a:t>
+              <a:t>In Revit MEP 2012, you can only define one single default elbow, tee, etc., which is rather limiting. In Revit 2013, numerous different setting for different materials and sizes are supported. One of the major MEP API additions provides access to the routing preferences, as demonstrated by the new Routing Preference Analysis SDK sample. Enhancements include programmatic selection of pipe sizes, materials, fitting types, calculation of pipe and duct friction factors, better handling of duct and pipe sections with the new </a:t>
+            </a:r>
+            <a:r>
+              <a:rPr lang="en-GB" sz="900" kern="1200" baseline="0" dirty="0" err="1">
+                <a:solidFill>
+                  <a:schemeClr val="tx1"/>
+                </a:solidFill>
+                <a:latin typeface="Calibri" pitchFamily="34" charset="0"/>
+                <a:ea typeface="+mn-ea"/>
+                <a:cs typeface="+mn-cs"/>
+              </a:rPr>
+              <a:t>MEPSection</a:t>
+            </a:r>
+            <a:r>
+              <a:rPr lang="en-GB" sz="900" kern="1200" baseline="0" dirty="0">
+                <a:solidFill>
+                  <a:schemeClr val="tx1"/>
+                </a:solidFill>
+                <a:latin typeface="Calibri" pitchFamily="34" charset="0"/>
+                <a:ea typeface="+mn-ea"/>
+                <a:cs typeface="+mn-cs"/>
+              </a:rPr>
+              <a:t> base class, handling of viscosity and density at specified temperatures, read and write access to spare circuit values, and retrieval of the localised user-visible display strings for enumeration values.</a:t>
             </a:r>
           </a:p>
           <a:p>
@@ -3513,7 +3601,7 @@
               <a:defRPr/>
             </a:pPr>
             <a:r>
-              <a:rPr lang="en-GB" sz="1400" kern="1200">
+              <a:rPr lang="en-GB" sz="1400" kern="1200" dirty="0">
                 <a:solidFill>
                   <a:schemeClr val="tx1"/>
                 </a:solidFill>
@@ -3521,7 +3609,51 @@
                 <a:ea typeface="+mn-ea"/>
                 <a:cs typeface="+mn-cs"/>
               </a:rPr>
-              <a:t>New physical properties include a new class ThermalProperties, an additional structural material element, structural and thermal material assets that can be shared, and the ability to indicate if thermal information is included in the gbXML export.</a:t>
+              <a:t>New physical properties include a new class </a:t>
+            </a:r>
+            <a:r>
+              <a:rPr lang="en-GB" sz="1400" kern="1200" dirty="0" err="1">
+                <a:solidFill>
+                  <a:schemeClr val="tx1"/>
+                </a:solidFill>
+                <a:latin typeface="+mn-lt"/>
+                <a:ea typeface="+mn-ea"/>
+                <a:cs typeface="+mn-cs"/>
+              </a:rPr>
+              <a:t>ThermalProperties</a:t>
+            </a:r>
+            <a:r>
+              <a:rPr lang="en-GB" sz="1400" kern="1200" dirty="0">
+                <a:solidFill>
+                  <a:schemeClr val="tx1"/>
+                </a:solidFill>
+                <a:latin typeface="+mn-lt"/>
+                <a:ea typeface="+mn-ea"/>
+                <a:cs typeface="+mn-cs"/>
+              </a:rPr>
+              <a:t>, an additional structural material element, structural and thermal material assets that can be shared, and the ability to indicate if thermal information is included in the </a:t>
+            </a:r>
+            <a:r>
+              <a:rPr lang="en-GB" sz="1400" kern="1200" dirty="0" err="1">
+                <a:solidFill>
+                  <a:schemeClr val="tx1"/>
+                </a:solidFill>
+                <a:latin typeface="+mn-lt"/>
+                <a:ea typeface="+mn-ea"/>
+                <a:cs typeface="+mn-cs"/>
+              </a:rPr>
+              <a:t>gbXML</a:t>
+            </a:r>
+            <a:r>
+              <a:rPr lang="en-GB" sz="1400" kern="1200" dirty="0">
+                <a:solidFill>
+                  <a:schemeClr val="tx1"/>
+                </a:solidFill>
+                <a:latin typeface="+mn-lt"/>
+                <a:ea typeface="+mn-ea"/>
+                <a:cs typeface="+mn-cs"/>
+              </a:rPr>
+              <a:t> export.</a:t>
             </a:r>
           </a:p>
         </p:txBody>
@@ -3581,47 +3713,127 @@
           <a:lstStyle/>
           <a:p>
             <a:r>
-              <a:rPr lang="en-ZW"/>
-              <a:t>Let's look at some of the topics going beyond the recorded DevDays Online presentation, starting with some of the new analysis and simulation features.</a:t>
-            </a:r>
-          </a:p>
-          <a:p>
-            <a:endParaRPr lang="en-ZW"/>
-          </a:p>
-          <a:p>
-            <a:r>
-              <a:rPr lang="en-ZW"/>
-              <a:t>In Revit MEP 2012, you can only define one single default elbow, tee, etc., which is rather limiting. In Autodesk Revit 2013 software, numerous different setting for different materials and sizes are supported. One of the major MEP API additions provides access to the routing preferences, as demonstrated by the new Routing Preference Analysis SDK sample. Other enhancements enable programmatic selection of pipe sizes, materials, fitting types, calculation of pipe and duct friction factors, better handling of duct and pipe sections with the new MEPSection base class, handling of viscosity and density at specified temperatures, read and write access to spare circuit values, and retrieval of the localized user-visible display strings for enumeration values. </a:t>
-            </a:r>
-          </a:p>
-          <a:p>
-            <a:r>
-              <a:rPr lang="en-ZW"/>
-              <a:t>New physical properties include a new class ThermalProperties, an additional structural material element, structural and thermal material assets that can be shared, and the ability to indicate if thermal information is included in the gbXML export. </a:t>
-            </a:r>
-          </a:p>
-          <a:p>
-            <a:r>
-              <a:rPr lang="en-ZW"/>
-              <a:t>The structural analytical model includes a new AnalyticalLink element type that can be user defined or automatically generated between two analytical elements and access to link properties like "fixity state". </a:t>
-            </a:r>
-          </a:p>
-          <a:p>
-            <a:r>
-              <a:rPr lang="en-ZW"/>
+              <a:rPr lang="en-ZW" dirty="0"/>
+              <a:t>Let's look at some of the topics going beyond the recorded </a:t>
+            </a:r>
+            <a:r>
+              <a:rPr lang="en-ZW" dirty="0" err="1"/>
+              <a:t>DevDays</a:t>
+            </a:r>
+            <a:r>
+              <a:rPr lang="en-ZW" dirty="0"/>
+              <a:t> Online presentation, starting with some of the new analysis and simulation features.</a:t>
+            </a:r>
+          </a:p>
+          <a:p>
+            <a:endParaRPr lang="en-ZW" dirty="0"/>
+          </a:p>
+          <a:p>
+            <a:r>
+              <a:rPr lang="en-ZW" dirty="0"/>
+              <a:t>In Revit MEP 2012, you can only define one single default elbow, tee, etc., which is rather limiting. In Autodesk Revit 2013 software, numerous different setting for different materials and sizes are supported. One of the major MEP API additions provides access to the routing preferences, as demonstrated by the new Routing Preference Analysis SDK sample. Other enhancements enable programmatic selection of pipe sizes, materials, fitting types, calculation of pipe and duct friction factors, better handling of duct and pipe sections with the new </a:t>
+            </a:r>
+            <a:r>
+              <a:rPr lang="en-ZW" dirty="0" err="1"/>
+              <a:t>MEPSection</a:t>
+            </a:r>
+            <a:r>
+              <a:rPr lang="en-ZW" dirty="0"/>
+              <a:t> base class, handling of viscosity and density at specified temperatures, read and write access to spare circuit values, and retrieval of the localized user-visible display strings for enumeration values. </a:t>
+            </a:r>
+          </a:p>
+          <a:p>
+            <a:r>
+              <a:rPr lang="en-ZW" dirty="0"/>
+              <a:t>New physical properties include a new class </a:t>
+            </a:r>
+            <a:r>
+              <a:rPr lang="en-ZW" dirty="0" err="1"/>
+              <a:t>ThermalProperties</a:t>
+            </a:r>
+            <a:r>
+              <a:rPr lang="en-ZW" dirty="0"/>
+              <a:t>, an additional structural material element, structural and thermal material assets that can be shared, and the ability to indicate if thermal information is included in the </a:t>
+            </a:r>
+            <a:r>
+              <a:rPr lang="en-ZW" dirty="0" err="1"/>
+              <a:t>gbXML</a:t>
+            </a:r>
+            <a:r>
+              <a:rPr lang="en-ZW" dirty="0"/>
+              <a:t> export. </a:t>
+            </a:r>
+          </a:p>
+          <a:p>
+            <a:r>
+              <a:rPr lang="en-ZW" dirty="0"/>
+              <a:t>The structural analytical model includes a new </a:t>
+            </a:r>
+            <a:r>
+              <a:rPr lang="en-ZW" dirty="0" err="1"/>
+              <a:t>AnalyticalLink</a:t>
+            </a:r>
+            <a:r>
+              <a:rPr lang="en-ZW" dirty="0"/>
+              <a:t> element type that can be user defined or automatically generated between two analytical elements and access to link properties like "fixity state". </a:t>
+            </a:r>
+          </a:p>
+          <a:p>
+            <a:r>
+              <a:rPr lang="en-ZW" dirty="0"/>
               <a:t>The Analysis Visualization Framework AVF now better supports the structural analysis workflow, e.g. by including support for deformed shapes. </a:t>
             </a:r>
           </a:p>
           <a:p>
             <a:r>
-              <a:rPr lang="en-ZW"/>
-              <a:t>A Light and Light Group API provides new classes to get and set photometric data, including initial color and intensity, loss factor, color filter and dimming color. </a:t>
-            </a:r>
-          </a:p>
-          <a:p>
-            <a:r>
-              <a:rPr lang="en-ZW"/>
-              <a:t>The new ReferenceIntersector class mentioned above provides simplified and more performant ray-cast selection of elements using a given point and direction, similar to the existing FindReferencesWithContextByDirection method, with additional support for filtering the output, e.g. to collect elements, meshes, edges, curves, and faces.</a:t>
+              <a:rPr lang="en-ZW" dirty="0"/>
+              <a:t>A Light and Light Group API provides new classes to get and set photometric data, including initial </a:t>
+            </a:r>
+            <a:r>
+              <a:rPr lang="en-ZW" dirty="0" err="1"/>
+              <a:t>color</a:t>
+            </a:r>
+            <a:r>
+              <a:rPr lang="en-ZW" dirty="0"/>
+              <a:t> and intensity, loss factor, </a:t>
+            </a:r>
+            <a:r>
+              <a:rPr lang="en-ZW" dirty="0" err="1"/>
+              <a:t>color</a:t>
+            </a:r>
+            <a:r>
+              <a:rPr lang="en-ZW" dirty="0"/>
+              <a:t> filter and dimming </a:t>
+            </a:r>
+            <a:r>
+              <a:rPr lang="en-ZW" dirty="0" err="1"/>
+              <a:t>color</a:t>
+            </a:r>
+            <a:r>
+              <a:rPr lang="en-ZW" dirty="0"/>
+              <a:t>. </a:t>
+            </a:r>
+          </a:p>
+          <a:p>
+            <a:r>
+              <a:rPr lang="en-ZW" dirty="0"/>
+              <a:t>The new </a:t>
+            </a:r>
+            <a:r>
+              <a:rPr lang="en-ZW" dirty="0" err="1"/>
+              <a:t>ReferenceIntersector</a:t>
+            </a:r>
+            <a:r>
+              <a:rPr lang="en-ZW" dirty="0"/>
+              <a:t> class mentioned above provides simplified and more performant ray-cast selection of elements using a given point and direction, similar to the existing </a:t>
+            </a:r>
+            <a:r>
+              <a:rPr lang="en-ZW" dirty="0" err="1"/>
+              <a:t>FindReferencesWithContextByDirection</a:t>
+            </a:r>
+            <a:r>
+              <a:rPr lang="en-ZW" dirty="0"/>
+              <a:t> method, with additional support for filtering the output, e.g. to collect elements, meshes, edges, curves, and faces.</a:t>
             </a:r>
           </a:p>
         </p:txBody>
@@ -5404,13 +5616,13 @@
           <a:p>
             <a:r>
               <a:rPr lang="en-US" dirty="0"/>
-              <a:t>C:\a\lib\revit\2020\SDK\Samples\GeometryAPI\EnergyAnalysisModel\EnergyAnalysisModel.rvt</a:t>
+              <a:t>C:\a\lib\revit\2021\SDK\Samples\GeometryAPI\EnergyAnalysisModel\EnergyAnalysisModel.rvt</a:t>
             </a:r>
           </a:p>
           <a:p>
             <a:r>
               <a:rPr lang="en-US" dirty="0"/>
-              <a:t>C:\a\doc\revit\au\2020\sample\Urban House MEP - 2012.rvt</a:t>
+              <a:t>C:\a\doc\revit\au\2021\sample\Urban House MEP - 2021.rvt</a:t>
             </a:r>
           </a:p>
           <a:p>
@@ -10451,10 +10663,9 @@
           <a:lstStyle/>
           <a:p>
             <a:r>
-              <a:rPr lang="en-GB" noProof="0"/>
+              <a:rPr lang="en-GB" noProof="0" dirty="0"/>
               <a:t>Revit MEP 2012 Product Features</a:t>
             </a:r>
-            <a:endParaRPr lang="en-GB" noProof="0" dirty="0"/>
           </a:p>
         </p:txBody>
       </p:sp>
@@ -11246,10 +11457,9 @@
           <a:lstStyle/>
           <a:p>
             <a:r>
-              <a:rPr lang="en-GB" noProof="0"/>
+              <a:rPr lang="en-GB" noProof="0" dirty="0"/>
               <a:t>Revit MEP 2013 Product Features</a:t>
             </a:r>
-            <a:endParaRPr lang="en-GB" noProof="0" dirty="0"/>
           </a:p>
         </p:txBody>
       </p:sp>
@@ -11341,10 +11551,9 @@
           <a:lstStyle/>
           <a:p>
             <a:r>
-              <a:rPr lang="en-GB" noProof="0"/>
+              <a:rPr lang="en-GB" noProof="0" dirty="0"/>
               <a:t>Revit MEP 2013 API Enhancements</a:t>
             </a:r>
-            <a:endParaRPr lang="en-GB" noProof="0" dirty="0"/>
           </a:p>
         </p:txBody>
       </p:sp>
@@ -14426,14 +14635,14 @@
           <a:p>
             <a:r>
               <a:rPr lang="en-US" dirty="0"/>
-              <a:t>My First Revit 2020 Add-in</a:t>
+              <a:t>My First Revit 2021 Add-in</a:t>
             </a:r>
             <a:endParaRPr lang="en-US" noProof="0" dirty="0"/>
           </a:p>
           <a:p>
             <a:r>
               <a:rPr lang="en-US" noProof="0" dirty="0"/>
-              <a:t>Illustrates all major Revit 2020 API renovations</a:t>
+              <a:t>Illustrates all major Revit 2021 API renovations</a:t>
             </a:r>
             <a:endParaRPr lang="en-GB" dirty="0"/>
           </a:p>
@@ -17015,37 +17224,6 @@
 </file>
 
 <file path=customXml/item1.xml><?xml version="1.0" encoding="utf-8"?>
-<p:properties xmlns:p="http://schemas.microsoft.com/office/2006/metadata/properties" xmlns:xsi="http://www.w3.org/2001/XMLSchema-instance">
-  <documentManagement>
-    <Date_x0020_Published xmlns="173a1098-70f6-433d-bc61-cdeac2da641a">2010-08-09T07:00:00+00:00</Date_x0020_Published>
-    <Media_x0020_Description xmlns="173a1098-70f6-433d-bc61-cdeac2da641a">The Autodesk Corporate Overview presentation contains top-level messaging, industry overviews, and corporate financial information. This can be augmented with other content. The 4x3 format is recommended for most projectors and monitors.</Media_x0020_Description>
-    <Image xmlns="173a1098-70f6-433d-bc61-cdeac2da641a">
-      <Url>https://share.autodesk.com/Marketing/templates/Corporate%20Overview%20Images/08_09_10_Corporate_Overview_thumb.jpg</Url>
-      <Description xsi:nil="true"/>
-    </Image>
-    <Number_x0020_Ordering xmlns="173a1098-70f6-433d-bc61-cdeac2da641a">3</Number_x0020_Ordering>
-    <Doc_x0020_Title xmlns="173a1098-70f6-433d-bc61-cdeac2da641a">Autodesk Corporate Overview—4x3 PPT version</Doc_x0020_Title>
-    <Author0 xmlns="173a1098-70f6-433d-bc61-cdeac2da641a">
-      <UserInfo>
-        <DisplayName>Jana Hildebrand</DisplayName>
-        <AccountId>4232</AccountId>
-        <AccountType/>
-      </UserInfo>
-    </Author0>
-    <Doc_x0020_URL xmlns="173a1098-70f6-433d-bc61-cdeac2da641a">
-      <Url xsi:nil="true"/>
-      <Description xsi:nil="true"/>
-    </Doc_x0020_URL>
-    <Industry xmlns="173a1098-70f6-433d-bc61-cdeac2da641a">Corporate</Industry>
-    <File_x0020_Type0 xmlns="173a1098-70f6-433d-bc61-cdeac2da641a">
-      <Url xsi:nil="true"/>
-      <Description xsi:nil="true"/>
-    </File_x0020_Type0>
-  </documentManagement>
-</p:properties>
-</file>
-
-<file path=customXml/item2.xml><?xml version="1.0" encoding="utf-8"?>
 <ct:contentTypeSchema xmlns:ct="http://schemas.microsoft.com/office/2006/metadata/contentType" xmlns:ma="http://schemas.microsoft.com/office/2006/metadata/properties/metaAttributes" ct:_="" ma:_="" ma:contentTypeName="Document" ma:contentTypeID="0x010100B39C2C6EA393E243B0C1948D07E8D792" ma:contentTypeVersion="0" ma:contentTypeDescription="Create a new document." ma:contentTypeScope="" ma:versionID="899509aeaed6bcc483808113040566c9">
   <xsd:schema xmlns:xsd="http://www.w3.org/2001/XMLSchema" xmlns:xs="http://www.w3.org/2001/XMLSchema" xmlns:p="http://schemas.microsoft.com/office/2006/metadata/properties" xmlns:ns2="173a1098-70f6-433d-bc61-cdeac2da641a" targetNamespace="http://schemas.microsoft.com/office/2006/metadata/properties" ma:root="true" ma:fieldsID="0b675f8fd51dcef7bf0a1cb3b693b7db" ns2:_="">
     <xsd:import namespace="173a1098-70f6-433d-bc61-cdeac2da641a"/>
@@ -17270,7 +17448,7 @@
 </ct:contentTypeSchema>
 </file>
 
-<file path=customXml/item3.xml><?xml version="1.0" encoding="utf-8"?>
+<file path=customXml/item2.xml><?xml version="1.0" encoding="utf-8"?>
 <?mso-contentType ?>
 <FormTemplates xmlns="http://schemas.microsoft.com/sharepoint/v3/contenttype/forms">
   <Display>DocumentLibraryForm</Display>
@@ -17279,23 +17457,38 @@
 </FormTemplates>
 </file>
 
-<file path=customXml/itemProps1.xml><?xml version="1.0" encoding="utf-8"?>
-<ds:datastoreItem xmlns:ds="http://schemas.openxmlformats.org/officeDocument/2006/customXml" ds:itemID="{AA38C631-2E87-4D85-8548-5D452E157EE2}">
-  <ds:schemaRefs>
-    <ds:schemaRef ds:uri="http://schemas.microsoft.com/office/2006/metadata/properties"/>
-    <ds:schemaRef ds:uri="http://schemas.openxmlformats.org/package/2006/metadata/core-properties"/>
-    <ds:schemaRef ds:uri="http://schemas.microsoft.com/office/infopath/2007/PartnerControls"/>
-    <ds:schemaRef ds:uri="http://www.w3.org/XML/1998/namespace"/>
-    <ds:schemaRef ds:uri="http://purl.org/dc/elements/1.1/"/>
-    <ds:schemaRef ds:uri="http://schemas.microsoft.com/office/2006/documentManagement/types"/>
-    <ds:schemaRef ds:uri="http://purl.org/dc/terms/"/>
-    <ds:schemaRef ds:uri="173a1098-70f6-433d-bc61-cdeac2da641a"/>
-    <ds:schemaRef ds:uri="http://purl.org/dc/dcmitype/"/>
-  </ds:schemaRefs>
-</ds:datastoreItem>
+<file path=customXml/item3.xml><?xml version="1.0" encoding="utf-8"?>
+<p:properties xmlns:p="http://schemas.microsoft.com/office/2006/metadata/properties" xmlns:xsi="http://www.w3.org/2001/XMLSchema-instance">
+  <documentManagement>
+    <Date_x0020_Published xmlns="173a1098-70f6-433d-bc61-cdeac2da641a">2010-08-09T07:00:00+00:00</Date_x0020_Published>
+    <Media_x0020_Description xmlns="173a1098-70f6-433d-bc61-cdeac2da641a">The Autodesk Corporate Overview presentation contains top-level messaging, industry overviews, and corporate financial information. This can be augmented with other content. The 4x3 format is recommended for most projectors and monitors.</Media_x0020_Description>
+    <Image xmlns="173a1098-70f6-433d-bc61-cdeac2da641a">
+      <Url>https://share.autodesk.com/Marketing/templates/Corporate%20Overview%20Images/08_09_10_Corporate_Overview_thumb.jpg</Url>
+      <Description xsi:nil="true"/>
+    </Image>
+    <Number_x0020_Ordering xmlns="173a1098-70f6-433d-bc61-cdeac2da641a">3</Number_x0020_Ordering>
+    <Doc_x0020_Title xmlns="173a1098-70f6-433d-bc61-cdeac2da641a">Autodesk Corporate Overview—4x3 PPT version</Doc_x0020_Title>
+    <Author0 xmlns="173a1098-70f6-433d-bc61-cdeac2da641a">
+      <UserInfo>
+        <DisplayName>Jana Hildebrand</DisplayName>
+        <AccountId>4232</AccountId>
+        <AccountType/>
+      </UserInfo>
+    </Author0>
+    <Doc_x0020_URL xmlns="173a1098-70f6-433d-bc61-cdeac2da641a">
+      <Url xsi:nil="true"/>
+      <Description xsi:nil="true"/>
+    </Doc_x0020_URL>
+    <Industry xmlns="173a1098-70f6-433d-bc61-cdeac2da641a">Corporate</Industry>
+    <File_x0020_Type0 xmlns="173a1098-70f6-433d-bc61-cdeac2da641a">
+      <Url xsi:nil="true"/>
+      <Description xsi:nil="true"/>
+    </File_x0020_Type0>
+  </documentManagement>
+</p:properties>
 </file>
 
-<file path=customXml/itemProps2.xml><?xml version="1.0" encoding="utf-8"?>
+<file path=customXml/itemProps1.xml><?xml version="1.0" encoding="utf-8"?>
 <ds:datastoreItem xmlns:ds="http://schemas.openxmlformats.org/officeDocument/2006/customXml" ds:itemID="{1D5C3C5B-3F6D-4D79-9C57-93130C8B918D}">
   <ds:schemaRefs>
     <ds:schemaRef ds:uri="http://schemas.microsoft.com/office/2006/metadata/contentType"/>
@@ -17313,10 +17506,26 @@
 </ds:datastoreItem>
 </file>
 
-<file path=customXml/itemProps3.xml><?xml version="1.0" encoding="utf-8"?>
+<file path=customXml/itemProps2.xml><?xml version="1.0" encoding="utf-8"?>
 <ds:datastoreItem xmlns:ds="http://schemas.openxmlformats.org/officeDocument/2006/customXml" ds:itemID="{05DE7D26-623C-4E20-905C-E4AA82C27D5E}">
   <ds:schemaRefs>
     <ds:schemaRef ds:uri="http://schemas.microsoft.com/sharepoint/v3/contenttype/forms"/>
   </ds:schemaRefs>
 </ds:datastoreItem>
+</file>
+
+<file path=customXml/itemProps3.xml><?xml version="1.0" encoding="utf-8"?>
+<ds:datastoreItem xmlns:ds="http://schemas.openxmlformats.org/officeDocument/2006/customXml" ds:itemID="{AA38C631-2E87-4D85-8548-5D452E157EE2}">
+  <ds:schemaRefs>
+    <ds:schemaRef ds:uri="http://schemas.microsoft.com/office/2006/metadata/properties"/>
+    <ds:schemaRef ds:uri="http://schemas.openxmlformats.org/package/2006/metadata/core-properties"/>
+    <ds:schemaRef ds:uri="http://schemas.microsoft.com/office/infopath/2007/PartnerControls"/>
+    <ds:schemaRef ds:uri="http://www.w3.org/XML/1998/namespace"/>
+    <ds:schemaRef ds:uri="http://purl.org/dc/elements/1.1/"/>
+    <ds:schemaRef ds:uri="http://schemas.microsoft.com/office/2006/documentManagement/types"/>
+    <ds:schemaRef ds:uri="http://purl.org/dc/terms/"/>
+    <ds:schemaRef ds:uri="173a1098-70f6-433d-bc61-cdeac2da641a"/>
+    <ds:schemaRef ds:uri="http://purl.org/dc/dcmitype/"/>
+  </ds:schemaRefs>
+</ds:datastoreItem>
 </file>
--- a/Presentation/5_RME_API.pptx
+++ b/Presentation/5_RME_API.pptx
@@ -352,7 +352,7 @@
               <a:pPr>
                 <a:defRPr/>
               </a:pPr>
-              <a:t>08-May-20</a:t>
+              <a:t>29-Apr-21</a:t>
             </a:fld>
             <a:endParaRPr lang="en-US" dirty="0"/>
           </a:p>
@@ -576,7 +576,7 @@
               <a:pPr>
                 <a:defRPr/>
               </a:pPr>
-              <a:t>08-May-20</a:t>
+              <a:t>29-Apr-21</a:t>
             </a:fld>
             <a:endParaRPr lang="en-US" dirty="0"/>
           </a:p>
@@ -1785,541 +1785,11 @@
         <p:spPr/>
         <p:txBody>
           <a:bodyPr>
-            <a:normAutofit fontScale="32500" lnSpcReduction="20000"/>
+            <a:normAutofit/>
           </a:bodyPr>
           <a:lstStyle/>
           <a:p>
-            <a:r>
-              <a:rPr lang="en-GB" sz="1400" b="1" kern="1200" dirty="0">
-                <a:solidFill>
-                  <a:schemeClr val="tx1"/>
-                </a:solidFill>
-                <a:latin typeface="+mn-lt"/>
-                <a:ea typeface="+mn-ea"/>
-                <a:cs typeface="+mn-cs"/>
-              </a:rPr>
-              <a:t>Cable Tray and Conduit </a:t>
-            </a:r>
-          </a:p>
-          <a:p>
-            <a:r>
-              <a:rPr lang="en-GB" sz="1400" kern="1200" dirty="0">
-                <a:solidFill>
-                  <a:schemeClr val="tx1"/>
-                </a:solidFill>
-                <a:latin typeface="+mn-lt"/>
-                <a:ea typeface="+mn-ea"/>
-                <a:cs typeface="+mn-cs"/>
-              </a:rPr>
-              <a:t>Revit 2011 includes support for modelling conduit and cable tray as unique object types. The goal of this feature is to represent real world conduit and cable tray for coordination purposes and for accurate and legible construction drawings.</a:t>
-            </a:r>
-          </a:p>
-          <a:p>
-            <a:r>
-              <a:rPr lang="en-GB" sz="1400" kern="1200" dirty="0">
-                <a:solidFill>
-                  <a:schemeClr val="tx1"/>
-                </a:solidFill>
-                <a:latin typeface="+mn-lt"/>
-                <a:ea typeface="+mn-ea"/>
-                <a:cs typeface="+mn-cs"/>
-              </a:rPr>
-              <a:t>Cable trays and conduits and can be routed as individual runs with or without individual fittings placed between straight sections. Conduit runs without fittings would be used for conduit that is bent to change directions instead of having actual fittings. When using conduit or cable tray runs without fittings, you can now use a new schedule type to report the overall length of the run. These schedule types have categories of Conduit Runs and Cable Tray Runs respectively.</a:t>
-            </a:r>
-          </a:p>
-          <a:p>
-            <a:r>
-              <a:rPr lang="en-GB" sz="1400" kern="1200" dirty="0">
-                <a:solidFill>
-                  <a:schemeClr val="tx1"/>
-                </a:solidFill>
-                <a:latin typeface="+mn-lt"/>
-                <a:ea typeface="+mn-ea"/>
-                <a:cs typeface="+mn-cs"/>
-              </a:rPr>
-              <a:t>Cable trays can be drawn as channel or ladder type. </a:t>
-            </a:r>
-          </a:p>
-          <a:p>
-            <a:r>
-              <a:rPr lang="en-GB" sz="1400" kern="1200" dirty="0">
-                <a:solidFill>
-                  <a:schemeClr val="tx1"/>
-                </a:solidFill>
-                <a:latin typeface="+mn-lt"/>
-                <a:ea typeface="+mn-ea"/>
-                <a:cs typeface="+mn-cs"/>
-              </a:rPr>
-              <a:t>Conduits can be connected to cable tray segments. The conduit does not have to actually touch the cable tray to connect. For example, you can connect a conduit 6” below the cable tray and have the conduit end update if the cable tray segment is moved.</a:t>
-            </a:r>
-          </a:p>
-          <a:p>
-            <a:r>
-              <a:rPr lang="en-GB" sz="1400" kern="1200" dirty="0">
-                <a:solidFill>
-                  <a:schemeClr val="tx1"/>
-                </a:solidFill>
-                <a:latin typeface="+mn-lt"/>
-                <a:ea typeface="+mn-ea"/>
-                <a:cs typeface="+mn-cs"/>
-              </a:rPr>
-              <a:t>Conduit and cable tray each support graphics with varying levels of detail in fine, medium, and coarse display.</a:t>
-            </a:r>
-          </a:p>
-          <a:p>
-            <a:r>
-              <a:rPr lang="en-GB" sz="1400" kern="1200" dirty="0">
-                <a:solidFill>
-                  <a:schemeClr val="tx1"/>
-                </a:solidFill>
-                <a:latin typeface="+mn-lt"/>
-                <a:ea typeface="+mn-ea"/>
-                <a:cs typeface="+mn-cs"/>
-              </a:rPr>
-              <a:t>A new type of connector is now available for connecting conduit to equipment. This new surface connector enables an entire face of a piece of equipment to accept conduit connections without having to manually add individual conduit connectors to the equipment. This makes connecting to equipment such as switchgear, transformers and panels faster and easier.</a:t>
-            </a:r>
-          </a:p>
-          <a:p>
-            <a:r>
-              <a:rPr lang="en-GB" sz="1400" b="1" kern="1200" dirty="0">
-                <a:solidFill>
-                  <a:schemeClr val="tx1"/>
-                </a:solidFill>
-                <a:latin typeface="+mn-lt"/>
-                <a:ea typeface="+mn-ea"/>
-                <a:cs typeface="+mn-cs"/>
-              </a:rPr>
-              <a:t>Panel Schedules</a:t>
-            </a:r>
-          </a:p>
-          <a:p>
-            <a:r>
-              <a:rPr lang="en-GB" sz="1400" kern="1200" dirty="0">
-                <a:solidFill>
-                  <a:schemeClr val="tx1"/>
-                </a:solidFill>
-                <a:latin typeface="+mn-lt"/>
-                <a:ea typeface="+mn-ea"/>
-                <a:cs typeface="+mn-cs"/>
-              </a:rPr>
-              <a:t>You can create a schedule that lists the circuits connected to a panel, and displays information about each circuit such as location on the panel, circuit name, apparent loads, etc. Panel schedules display three main information sections: a header, circuit table, and a loads summary. A new Panel Schedule view for the selected panel is displayed in the drawing area, and panel schedules are added to the project browser under the Panel Schedules folder. A panel schedule shows the following data:</a:t>
-            </a:r>
-          </a:p>
-          <a:p>
-            <a:r>
-              <a:rPr lang="en-GB" sz="1400" kern="1200" dirty="0">
-                <a:solidFill>
-                  <a:schemeClr val="tx1"/>
-                </a:solidFill>
-                <a:latin typeface="+mn-lt"/>
-                <a:ea typeface="+mn-ea"/>
-                <a:cs typeface="+mn-cs"/>
-              </a:rPr>
-              <a:t>Panel Name </a:t>
-            </a:r>
-          </a:p>
-          <a:p>
-            <a:r>
-              <a:rPr lang="en-GB" sz="1400" kern="1200" dirty="0">
-                <a:solidFill>
-                  <a:schemeClr val="tx1"/>
-                </a:solidFill>
-                <a:latin typeface="+mn-lt"/>
-                <a:ea typeface="+mn-ea"/>
-                <a:cs typeface="+mn-cs"/>
-              </a:rPr>
-              <a:t>Distribution System supported by the panel </a:t>
-            </a:r>
-          </a:p>
-          <a:p>
-            <a:r>
-              <a:rPr lang="en-GB" sz="1400" kern="1200" dirty="0">
-                <a:solidFill>
-                  <a:schemeClr val="tx1"/>
-                </a:solidFill>
-                <a:latin typeface="+mn-lt"/>
-                <a:ea typeface="+mn-ea"/>
-                <a:cs typeface="+mn-cs"/>
-              </a:rPr>
-              <a:t>Number of phases available from the panel </a:t>
-            </a:r>
-          </a:p>
-          <a:p>
-            <a:r>
-              <a:rPr lang="en-GB" sz="1400" kern="1200" dirty="0">
-                <a:solidFill>
-                  <a:schemeClr val="tx1"/>
-                </a:solidFill>
-                <a:latin typeface="+mn-lt"/>
-                <a:ea typeface="+mn-ea"/>
-                <a:cs typeface="+mn-cs"/>
-              </a:rPr>
-              <a:t>Number of wires specified for the distribution system assigned to this panel  </a:t>
-            </a:r>
-          </a:p>
-          <a:p>
-            <a:r>
-              <a:rPr lang="en-GB" sz="1400" kern="1200" dirty="0">
-                <a:solidFill>
-                  <a:schemeClr val="tx1"/>
-                </a:solidFill>
-                <a:latin typeface="+mn-lt"/>
-                <a:ea typeface="+mn-ea"/>
-                <a:cs typeface="+mn-cs"/>
-              </a:rPr>
-              <a:t>Rating of the mains feeding the panel </a:t>
-            </a:r>
-          </a:p>
-          <a:p>
-            <a:r>
-              <a:rPr lang="en-GB" sz="1400" kern="1200" dirty="0">
-                <a:solidFill>
-                  <a:schemeClr val="tx1"/>
-                </a:solidFill>
-                <a:latin typeface="+mn-lt"/>
-                <a:ea typeface="+mn-ea"/>
-                <a:cs typeface="+mn-cs"/>
-              </a:rPr>
-              <a:t>Type of mounting (Surface or Recessed) </a:t>
-            </a:r>
-          </a:p>
-          <a:p>
-            <a:r>
-              <a:rPr lang="en-GB" sz="1400" kern="1200" dirty="0">
-                <a:solidFill>
-                  <a:schemeClr val="tx1"/>
-                </a:solidFill>
-                <a:latin typeface="+mn-lt"/>
-                <a:ea typeface="+mn-ea"/>
-                <a:cs typeface="+mn-cs"/>
-              </a:rPr>
-              <a:t>Type of case enclosing the panel </a:t>
-            </a:r>
-          </a:p>
-          <a:p>
-            <a:r>
-              <a:rPr lang="en-GB" sz="1400" kern="1200" dirty="0">
-                <a:solidFill>
-                  <a:schemeClr val="tx1"/>
-                </a:solidFill>
-                <a:latin typeface="+mn-lt"/>
-                <a:ea typeface="+mn-ea"/>
-                <a:cs typeface="+mn-cs"/>
-              </a:rPr>
-              <a:t>Room where the panel is installed </a:t>
-            </a:r>
-          </a:p>
-          <a:p>
-            <a:r>
-              <a:rPr lang="en-GB" sz="1400" kern="1200" dirty="0">
-                <a:solidFill>
-                  <a:schemeClr val="tx1"/>
-                </a:solidFill>
-                <a:latin typeface="+mn-lt"/>
-                <a:ea typeface="+mn-ea"/>
-                <a:cs typeface="+mn-cs"/>
-              </a:rPr>
-              <a:t>Name assigned to a load circuit </a:t>
-            </a:r>
-          </a:p>
-          <a:p>
-            <a:r>
-              <a:rPr lang="en-GB" sz="1400" kern="1200" dirty="0">
-                <a:solidFill>
-                  <a:schemeClr val="tx1"/>
-                </a:solidFill>
-                <a:latin typeface="+mn-lt"/>
-                <a:ea typeface="+mn-ea"/>
-                <a:cs typeface="+mn-cs"/>
-              </a:rPr>
-              <a:t>Rated trip current for a circuit breaker </a:t>
-            </a:r>
-          </a:p>
-          <a:p>
-            <a:r>
-              <a:rPr lang="en-GB" sz="1400" kern="1200" dirty="0">
-                <a:solidFill>
-                  <a:schemeClr val="tx1"/>
-                </a:solidFill>
-                <a:latin typeface="+mn-lt"/>
-                <a:ea typeface="+mn-ea"/>
-                <a:cs typeface="+mn-cs"/>
-              </a:rPr>
-              <a:t>Number of poles on the circuit breaker </a:t>
-            </a:r>
-          </a:p>
-          <a:p>
-            <a:r>
-              <a:rPr lang="en-GB" sz="1400" kern="1200" dirty="0">
-                <a:solidFill>
-                  <a:schemeClr val="tx1"/>
-                </a:solidFill>
-                <a:latin typeface="+mn-lt"/>
-                <a:ea typeface="+mn-ea"/>
-                <a:cs typeface="+mn-cs"/>
-              </a:rPr>
-              <a:t>Circuit number </a:t>
-            </a:r>
-          </a:p>
-          <a:p>
-            <a:r>
-              <a:rPr lang="en-GB" sz="1400" kern="1200" dirty="0">
-                <a:solidFill>
-                  <a:schemeClr val="tx1"/>
-                </a:solidFill>
-                <a:latin typeface="+mn-lt"/>
-                <a:ea typeface="+mn-ea"/>
-                <a:cs typeface="+mn-cs"/>
-              </a:rPr>
-              <a:t>Phases </a:t>
-            </a:r>
-          </a:p>
-          <a:p>
-            <a:r>
-              <a:rPr lang="en-GB" sz="1400" kern="1200" dirty="0">
-                <a:solidFill>
-                  <a:schemeClr val="tx1"/>
-                </a:solidFill>
-                <a:latin typeface="+mn-lt"/>
-                <a:ea typeface="+mn-ea"/>
-                <a:cs typeface="+mn-cs"/>
-              </a:rPr>
-              <a:t>Apparent load (VA) for each of the phases </a:t>
-            </a:r>
-          </a:p>
-          <a:p>
-            <a:r>
-              <a:rPr lang="en-GB" sz="1400" kern="1200" dirty="0">
-                <a:solidFill>
-                  <a:schemeClr val="tx1"/>
-                </a:solidFill>
-                <a:latin typeface="+mn-lt"/>
-                <a:ea typeface="+mn-ea"/>
-                <a:cs typeface="+mn-cs"/>
-              </a:rPr>
-              <a:t>Total apparent load for all three phases </a:t>
-            </a:r>
-          </a:p>
-          <a:p>
-            <a:r>
-              <a:rPr lang="en-GB" sz="1400" kern="1200" dirty="0">
-                <a:solidFill>
-                  <a:schemeClr val="tx1"/>
-                </a:solidFill>
-                <a:latin typeface="+mn-lt"/>
-                <a:ea typeface="+mn-ea"/>
-                <a:cs typeface="+mn-cs"/>
-              </a:rPr>
-              <a:t>Manufacturer </a:t>
-            </a:r>
-          </a:p>
-          <a:p>
-            <a:r>
-              <a:rPr lang="en-GB" sz="1400" kern="1200" dirty="0">
-                <a:solidFill>
-                  <a:schemeClr val="tx1"/>
-                </a:solidFill>
-                <a:latin typeface="+mn-lt"/>
-                <a:ea typeface="+mn-ea"/>
-                <a:cs typeface="+mn-cs"/>
-              </a:rPr>
-              <a:t>Notation of any changes made to the panel </a:t>
-            </a:r>
-          </a:p>
-          <a:p>
-            <a:r>
-              <a:rPr lang="en-GB" sz="1400" kern="1200" dirty="0">
-                <a:solidFill>
-                  <a:schemeClr val="tx1"/>
-                </a:solidFill>
-                <a:latin typeface="+mn-lt"/>
-                <a:ea typeface="+mn-ea"/>
-                <a:cs typeface="+mn-cs"/>
-              </a:rPr>
-              <a:t>Root Means Square amperage</a:t>
-            </a:r>
-          </a:p>
-          <a:p>
-            <a:r>
-              <a:rPr lang="en-GB" sz="1400" kern="1200" dirty="0">
-                <a:solidFill>
-                  <a:schemeClr val="tx1"/>
-                </a:solidFill>
-                <a:latin typeface="+mn-lt"/>
-                <a:ea typeface="+mn-ea"/>
-                <a:cs typeface="+mn-cs"/>
-              </a:rPr>
-              <a:t>Additional circuit and panel information to display can be specified in the panel schedule templates. </a:t>
-            </a:r>
-          </a:p>
-          <a:p>
-            <a:r>
-              <a:rPr lang="en-GB" sz="1400" b="1" kern="1200" dirty="0">
-                <a:solidFill>
-                  <a:schemeClr val="tx1"/>
-                </a:solidFill>
-                <a:latin typeface="+mn-lt"/>
-                <a:ea typeface="+mn-ea"/>
-                <a:cs typeface="+mn-cs"/>
-              </a:rPr>
-              <a:t>Other Enhancements</a:t>
-            </a:r>
-          </a:p>
-          <a:p>
-            <a:r>
-              <a:rPr lang="en-GB" sz="1400" b="1" u="sng" kern="1200" dirty="0">
-                <a:solidFill>
-                  <a:schemeClr val="tx1"/>
-                </a:solidFill>
-                <a:latin typeface="+mn-lt"/>
-                <a:ea typeface="+mn-ea"/>
-                <a:cs typeface="+mn-cs"/>
-              </a:rPr>
-              <a:t>Placing Valves and Fittings in Section or Elevation Views</a:t>
-            </a:r>
-          </a:p>
-          <a:p>
-            <a:r>
-              <a:rPr lang="en-GB" sz="1400" kern="1200" dirty="0">
-                <a:solidFill>
-                  <a:schemeClr val="tx1"/>
-                </a:solidFill>
-                <a:latin typeface="+mn-lt"/>
-                <a:ea typeface="+mn-ea"/>
-                <a:cs typeface="+mn-cs"/>
-              </a:rPr>
-              <a:t>It is now possible to place valves, fittings, and other types of duct or piping accessories while in an elevation or section view. For example, you can switch to an elevation view and place a valve in a vertical pipe.</a:t>
-            </a:r>
-          </a:p>
-          <a:p>
-            <a:r>
-              <a:rPr lang="en-GB" sz="1400" b="1" u="sng" kern="1200" dirty="0">
-                <a:solidFill>
-                  <a:schemeClr val="tx1"/>
-                </a:solidFill>
-                <a:latin typeface="+mn-lt"/>
-                <a:ea typeface="+mn-ea"/>
-                <a:cs typeface="+mn-cs"/>
-              </a:rPr>
-              <a:t>Tagging of MEP Elements during placement</a:t>
-            </a:r>
-          </a:p>
-          <a:p>
-            <a:r>
-              <a:rPr lang="en-GB" sz="1400" kern="1200" dirty="0">
-                <a:solidFill>
-                  <a:schemeClr val="tx1"/>
-                </a:solidFill>
-                <a:latin typeface="+mn-lt"/>
-                <a:ea typeface="+mn-ea"/>
-                <a:cs typeface="+mn-cs"/>
-              </a:rPr>
-              <a:t>You can now tag MEP components as they are being placed instead of doing so in a separate step.</a:t>
-            </a:r>
-          </a:p>
-          <a:p>
-            <a:r>
-              <a:rPr lang="en-GB" sz="1400" b="1" u="sng" kern="1200" dirty="0">
-                <a:solidFill>
-                  <a:schemeClr val="tx1"/>
-                </a:solidFill>
-                <a:latin typeface="+mn-lt"/>
-                <a:ea typeface="+mn-ea"/>
-                <a:cs typeface="+mn-cs"/>
-              </a:rPr>
-              <a:t>Piping Companion Flanges</a:t>
-            </a:r>
-          </a:p>
-          <a:p>
-            <a:r>
-              <a:rPr lang="en-GB" sz="1400" kern="1200" dirty="0">
-                <a:solidFill>
-                  <a:schemeClr val="tx1"/>
-                </a:solidFill>
-                <a:latin typeface="+mn-lt"/>
-                <a:ea typeface="+mn-ea"/>
-                <a:cs typeface="+mn-cs"/>
-              </a:rPr>
-              <a:t>There is a new pipe fitting type for flanges. If you define a flanged pipe type, you can edit the type and specify a companion flange that will be automatically inserted between the pipes and flanged fittings and on connections to equipment like pumps.</a:t>
-            </a:r>
-          </a:p>
-          <a:p>
-            <a:r>
-              <a:rPr lang="en-GB" sz="1400" b="1" u="sng" kern="1200" dirty="0">
-                <a:solidFill>
-                  <a:schemeClr val="tx1"/>
-                </a:solidFill>
-                <a:latin typeface="+mn-lt"/>
-                <a:ea typeface="+mn-ea"/>
-                <a:cs typeface="+mn-cs"/>
-              </a:rPr>
-              <a:t>Oval Duct</a:t>
-            </a:r>
-          </a:p>
-          <a:p>
-            <a:r>
-              <a:rPr lang="en-GB" sz="1400" kern="1200" dirty="0">
-                <a:solidFill>
-                  <a:schemeClr val="tx1"/>
-                </a:solidFill>
-                <a:latin typeface="+mn-lt"/>
-                <a:ea typeface="+mn-ea"/>
-                <a:cs typeface="+mn-cs"/>
-              </a:rPr>
-              <a:t>Oval ducts are now available in addition to the rectangular and round duct shapes. New size separators are available for oval duct size annotations and oval ducts can be used in duct sizing.</a:t>
-            </a:r>
-          </a:p>
-          <a:p>
-            <a:r>
-              <a:rPr lang="en-GB" sz="1400" b="1" u="sng" kern="1200" dirty="0">
-                <a:solidFill>
-                  <a:schemeClr val="tx1"/>
-                </a:solidFill>
-                <a:latin typeface="+mn-lt"/>
-                <a:ea typeface="+mn-ea"/>
-                <a:cs typeface="+mn-cs"/>
-              </a:rPr>
-              <a:t>Demand Factors and Load Categories</a:t>
-            </a:r>
-          </a:p>
-          <a:p>
-            <a:r>
-              <a:rPr lang="en-GB" sz="1400" kern="1200" dirty="0">
-                <a:solidFill>
-                  <a:schemeClr val="tx1"/>
-                </a:solidFill>
-                <a:latin typeface="+mn-lt"/>
-                <a:ea typeface="+mn-ea"/>
-                <a:cs typeface="+mn-cs"/>
-              </a:rPr>
-              <a:t>Demand factors have been updated to allow for more control over how demand loads are calculated and can be customized. Load categories are customizable and can be displayed in panel schedules.</a:t>
-            </a:r>
-          </a:p>
-          <a:p>
-            <a:r>
-              <a:rPr lang="en-GB" sz="1400" b="1" u="sng" kern="1200" dirty="0">
-                <a:solidFill>
-                  <a:schemeClr val="tx1"/>
-                </a:solidFill>
-                <a:latin typeface="+mn-lt"/>
-                <a:ea typeface="+mn-ea"/>
-                <a:cs typeface="+mn-cs"/>
-              </a:rPr>
-              <a:t>New Electrical Content</a:t>
-            </a:r>
-          </a:p>
-          <a:p>
-            <a:r>
-              <a:rPr lang="en-GB" sz="1400" kern="1200" dirty="0">
-                <a:solidFill>
-                  <a:schemeClr val="tx1"/>
-                </a:solidFill>
-                <a:latin typeface="+mn-lt"/>
-                <a:ea typeface="+mn-ea"/>
-                <a:cs typeface="+mn-cs"/>
-              </a:rPr>
-              <a:t>Many new types of electrical content have been added. New content is provided for communications, fire safety, data, nurse call, etc. Control panels have been added in addition to the individual controls or devices, so several of these objects can be connected to their appropriate panels.</a:t>
-            </a:r>
+            <a:endParaRPr lang="en-GB"/>
           </a:p>
         </p:txBody>
       </p:sp>
@@ -2373,7 +1843,7 @@
         <p:spPr/>
         <p:txBody>
           <a:bodyPr>
-            <a:normAutofit fontScale="40000" lnSpcReduction="20000"/>
+            <a:normAutofit fontScale="32500" lnSpcReduction="20000"/>
           </a:bodyPr>
           <a:lstStyle/>
           <a:p>
@@ -2386,7 +1856,7 @@
                 <a:ea typeface="+mn-ea"/>
                 <a:cs typeface="+mn-cs"/>
               </a:rPr>
-              <a:t>The Revit MEP API</a:t>
+              <a:t>Cable Tray and Conduit </a:t>
             </a:r>
           </a:p>
           <a:p>
@@ -2399,7 +1869,72 @@
                 <a:ea typeface="+mn-ea"/>
                 <a:cs typeface="+mn-cs"/>
               </a:rPr>
-              <a:t>Many of the enhancements to the Revit 2011 MEP specific API are related to the electrical domain, since the HVAC and mechanical domains were a primary focus of the previous Revit 2010 release. Paralleling the product features, the cable tray, conduit and panel schedules are the main areas of enhancement. A number of other topics have been addressed as well.</a:t>
+              <a:t>Revit 2011 includes support for modelling conduit and cable tray as unique object types. The goal of this feature is to represent real world conduit and cable tray for coordination purposes and for accurate and legible construction drawings.</a:t>
+            </a:r>
+          </a:p>
+          <a:p>
+            <a:r>
+              <a:rPr lang="en-GB" sz="1400" kern="1200" dirty="0">
+                <a:solidFill>
+                  <a:schemeClr val="tx1"/>
+                </a:solidFill>
+                <a:latin typeface="+mn-lt"/>
+                <a:ea typeface="+mn-ea"/>
+                <a:cs typeface="+mn-cs"/>
+              </a:rPr>
+              <a:t>Cable trays and conduits and can be routed as individual runs with or without individual fittings placed between straight sections. Conduit runs without fittings would be used for conduit that is bent to change directions instead of having actual fittings. When using conduit or cable tray runs without fittings, you can now use a new schedule type to report the overall length of the run. These schedule types have categories of Conduit Runs and Cable Tray Runs respectively.</a:t>
+            </a:r>
+          </a:p>
+          <a:p>
+            <a:r>
+              <a:rPr lang="en-GB" sz="1400" kern="1200" dirty="0">
+                <a:solidFill>
+                  <a:schemeClr val="tx1"/>
+                </a:solidFill>
+                <a:latin typeface="+mn-lt"/>
+                <a:ea typeface="+mn-ea"/>
+                <a:cs typeface="+mn-cs"/>
+              </a:rPr>
+              <a:t>Cable trays can be drawn as channel or ladder type. </a:t>
+            </a:r>
+          </a:p>
+          <a:p>
+            <a:r>
+              <a:rPr lang="en-GB" sz="1400" kern="1200" dirty="0">
+                <a:solidFill>
+                  <a:schemeClr val="tx1"/>
+                </a:solidFill>
+                <a:latin typeface="+mn-lt"/>
+                <a:ea typeface="+mn-ea"/>
+                <a:cs typeface="+mn-cs"/>
+              </a:rPr>
+              <a:t>Conduits can be connected to cable tray segments. The conduit does not have to actually touch the cable tray to connect. For example, you can connect a conduit 6” below the cable tray and have the conduit end update if the cable tray segment is moved.</a:t>
+            </a:r>
+          </a:p>
+          <a:p>
+            <a:r>
+              <a:rPr lang="en-GB" sz="1400" kern="1200" dirty="0">
+                <a:solidFill>
+                  <a:schemeClr val="tx1"/>
+                </a:solidFill>
+                <a:latin typeface="+mn-lt"/>
+                <a:ea typeface="+mn-ea"/>
+                <a:cs typeface="+mn-cs"/>
+              </a:rPr>
+              <a:t>Conduit and cable tray each support graphics with varying levels of detail in fine, medium, and coarse display.</a:t>
+            </a:r>
+          </a:p>
+          <a:p>
+            <a:r>
+              <a:rPr lang="en-GB" sz="1400" kern="1200" dirty="0">
+                <a:solidFill>
+                  <a:schemeClr val="tx1"/>
+                </a:solidFill>
+                <a:latin typeface="+mn-lt"/>
+                <a:ea typeface="+mn-ea"/>
+                <a:cs typeface="+mn-cs"/>
+              </a:rPr>
+              <a:t>A new type of connector is now available for connecting conduit to equipment. This new surface connector enables an entire face of a piece of equipment to accept conduit connections without having to manually add individual conduit connectors to the equipment. This makes connecting to equipment such as switchgear, transformers and panels faster and easier.</a:t>
             </a:r>
           </a:p>
           <a:p>
@@ -2412,7 +1947,7 @@
                 <a:ea typeface="+mn-ea"/>
                 <a:cs typeface="+mn-cs"/>
               </a:rPr>
-              <a:t>Cable Tray and Conduit</a:t>
+              <a:t>Panel Schedules</a:t>
             </a:r>
           </a:p>
           <a:p>
@@ -2425,7 +1960,7 @@
                 <a:ea typeface="+mn-ea"/>
                 <a:cs typeface="+mn-cs"/>
               </a:rPr>
-              <a:t>The entire new cable tray and conduit feature is fully exposed through the API. Whatever can be done in the user interface should be possible using the API as well. A number of new classes and elements related to the cable tray and conduit ones have been added. The major ones are:</a:t>
+              <a:t>You can create a schedule that lists the circuits connected to a panel, and displays information about each circuit such as location on the panel, circuit name, apparent loads, etc. Panel schedules display three main information sections: a header, circuit table, and a loads summary. A new Panel Schedule view for the selected panel is displayed in the drawing area, and panel schedules are added to the project browser under the Panel Schedules folder. A panel schedule shows the following data:</a:t>
             </a:r>
           </a:p>
           <a:p>
@@ -2438,7 +1973,7 @@
                 <a:ea typeface="+mn-ea"/>
                 <a:cs typeface="+mn-cs"/>
               </a:rPr>
-              <a:t>CableTrayConduitBase – the base class for cable trays and conduits. </a:t>
+              <a:t>Panel Name </a:t>
             </a:r>
           </a:p>
           <a:p>
@@ -2451,7 +1986,7 @@
                 <a:ea typeface="+mn-ea"/>
                 <a:cs typeface="+mn-cs"/>
               </a:rPr>
-              <a:t>CableTrayConduitRunBase – the base class for cable tray and conduit runs. </a:t>
+              <a:t>Distribution System supported by the panel </a:t>
             </a:r>
           </a:p>
           <a:p>
@@ -2464,7 +1999,7 @@
                 <a:ea typeface="+mn-ea"/>
                 <a:cs typeface="+mn-cs"/>
               </a:rPr>
-              <a:t>CableTray – a cable tray instance. </a:t>
+              <a:t>Number of phases available from the panel </a:t>
             </a:r>
           </a:p>
           <a:p>
@@ -2477,7 +2012,7 @@
                 <a:ea typeface="+mn-ea"/>
                 <a:cs typeface="+mn-cs"/>
               </a:rPr>
-              <a:t>CableTrayType – a cable tray type. </a:t>
+              <a:t>Number of wires specified for the distribution system assigned to this panel  </a:t>
             </a:r>
           </a:p>
           <a:p>
@@ -2490,7 +2025,7 @@
                 <a:ea typeface="+mn-ea"/>
                 <a:cs typeface="+mn-cs"/>
               </a:rPr>
-              <a:t>CableTrayRun – a cable tray run. </a:t>
+              <a:t>Rating of the mains feeding the panel </a:t>
             </a:r>
           </a:p>
           <a:p>
@@ -2503,7 +2038,7 @@
                 <a:ea typeface="+mn-ea"/>
                 <a:cs typeface="+mn-cs"/>
               </a:rPr>
-              <a:t>Conduit – a conduit instance. </a:t>
+              <a:t>Type of mounting (Surface or Recessed) </a:t>
             </a:r>
           </a:p>
           <a:p>
@@ -2516,7 +2051,7 @@
                 <a:ea typeface="+mn-ea"/>
                 <a:cs typeface="+mn-cs"/>
               </a:rPr>
-              <a:t>ConduitType – a conduit type. </a:t>
+              <a:t>Type of case enclosing the panel </a:t>
             </a:r>
           </a:p>
           <a:p>
@@ -2529,7 +2064,7 @@
                 <a:ea typeface="+mn-ea"/>
                 <a:cs typeface="+mn-cs"/>
               </a:rPr>
-              <a:t>ConduitRun – a conduit run. </a:t>
+              <a:t>Room where the panel is installed </a:t>
             </a:r>
           </a:p>
           <a:p>
@@ -2542,20 +2077,7 @@
                 <a:ea typeface="+mn-ea"/>
                 <a:cs typeface="+mn-cs"/>
               </a:rPr>
-              <a:t>As a result of the introduction of these new conduit elements, the previously existing classes ConduitType and ConduitTypeSet have been renamed to WireConduitType and WireConduitTypeSet.</a:t>
-            </a:r>
-          </a:p>
-          <a:p>
-            <a:r>
-              <a:rPr lang="en-GB" sz="1400" b="1" kern="1200" dirty="0">
-                <a:solidFill>
-                  <a:schemeClr val="tx1"/>
-                </a:solidFill>
-                <a:latin typeface="+mn-lt"/>
-                <a:ea typeface="+mn-ea"/>
-                <a:cs typeface="+mn-cs"/>
-              </a:rPr>
-              <a:t>Panel Schedules </a:t>
+              <a:t>Name assigned to a load circuit </a:t>
             </a:r>
           </a:p>
           <a:p>
@@ -2568,7 +2090,7 @@
                 <a:ea typeface="+mn-ea"/>
                 <a:cs typeface="+mn-cs"/>
               </a:rPr>
-              <a:t>A new comprehensive API has been introduced to support access to panel schedules and their contents. The major classes exposed by this API are: </a:t>
+              <a:t>Rated trip current for a circuit breaker </a:t>
             </a:r>
           </a:p>
           <a:p>
@@ -2581,7 +2103,7 @@
                 <a:ea typeface="+mn-ea"/>
                 <a:cs typeface="+mn-cs"/>
               </a:rPr>
-              <a:t>TableView – represents a view that shows a table. </a:t>
+              <a:t>Number of poles on the circuit breaker </a:t>
             </a:r>
           </a:p>
           <a:p>
@@ -2594,7 +2116,7 @@
                 <a:ea typeface="+mn-ea"/>
                 <a:cs typeface="+mn-cs"/>
               </a:rPr>
-              <a:t>TableData – holds most of the data describing the table row, column, and cells.</a:t>
+              <a:t>Circuit number </a:t>
             </a:r>
           </a:p>
           <a:p>
@@ -2607,7 +2129,7 @@
                 <a:ea typeface="+mn-ea"/>
                 <a:cs typeface="+mn-cs"/>
               </a:rPr>
-              <a:t>TableSectionData – holds row, column and cell data for a TableData instance. </a:t>
+              <a:t>Phases </a:t>
             </a:r>
           </a:p>
           <a:p>
@@ -2620,7 +2142,7 @@
                 <a:ea typeface="+mn-ea"/>
                 <a:cs typeface="+mn-cs"/>
               </a:rPr>
-              <a:t>PanelScheduleView – represents a view that shows a panel schedule. </a:t>
+              <a:t>Apparent load (VA) for each of the phases </a:t>
             </a:r>
           </a:p>
           <a:p>
@@ -2633,7 +2155,7 @@
                 <a:ea typeface="+mn-ea"/>
                 <a:cs typeface="+mn-cs"/>
               </a:rPr>
-              <a:t>PanelScheduleData – holds most of the data that describe the layout, appearance, and style of the rows, columns, and cells of a panel schedule. </a:t>
+              <a:t>Total apparent load for all three phases </a:t>
             </a:r>
           </a:p>
           <a:p>
@@ -2646,7 +2168,7 @@
                 <a:ea typeface="+mn-ea"/>
                 <a:cs typeface="+mn-cs"/>
               </a:rPr>
-              <a:t>PanelScheduleTemplate – represents a branch panel, a switchboard or a data panel template. </a:t>
+              <a:t>Manufacturer </a:t>
             </a:r>
           </a:p>
           <a:p>
@@ -2659,7 +2181,7 @@
                 <a:ea typeface="+mn-ea"/>
                 <a:cs typeface="+mn-cs"/>
               </a:rPr>
-              <a:t>PanelScheduleSheetSegment – represents a segment of a panel schedule sheet instance. </a:t>
+              <a:t>Notation of any changes made to the panel </a:t>
             </a:r>
           </a:p>
           <a:p>
@@ -2672,7 +2194,20 @@
                 <a:ea typeface="+mn-ea"/>
                 <a:cs typeface="+mn-cs"/>
               </a:rPr>
-              <a:t>PanelScheduleSheetInstance – represents an instance of a panel schedule placed on sheet. </a:t>
+              <a:t>Root Means Square amperage</a:t>
+            </a:r>
+          </a:p>
+          <a:p>
+            <a:r>
+              <a:rPr lang="en-GB" sz="1400" kern="1200" dirty="0">
+                <a:solidFill>
+                  <a:schemeClr val="tx1"/>
+                </a:solidFill>
+                <a:latin typeface="+mn-lt"/>
+                <a:ea typeface="+mn-ea"/>
+                <a:cs typeface="+mn-cs"/>
+              </a:rPr>
+              <a:t>Additional circuit and panel information to display can be specified in the panel schedule templates. </a:t>
             </a:r>
           </a:p>
           <a:p>
@@ -2698,7 +2233,7 @@
                 <a:ea typeface="+mn-ea"/>
                 <a:cs typeface="+mn-cs"/>
               </a:rPr>
-              <a:t>EnergyDataSettings</a:t>
+              <a:t>Placing Valves and Fittings in Section or Elevation Views</a:t>
             </a:r>
           </a:p>
           <a:p>
@@ -2711,7 +2246,7 @@
                 <a:ea typeface="+mn-ea"/>
                 <a:cs typeface="+mn-cs"/>
               </a:rPr>
-              <a:t>For greater clarity, the gbXMLParamElem class has been renamed to EnergyDataSettings, and some of its members were renamed as well.</a:t>
+              <a:t>It is now possible to place valves, fittings, and other types of duct or piping accessories while in an elevation or section view. For example, you can switch to an elevation view and place a valve in a vertical pipe.</a:t>
             </a:r>
           </a:p>
           <a:p>
@@ -2724,7 +2259,7 @@
                 <a:ea typeface="+mn-ea"/>
                 <a:cs typeface="+mn-cs"/>
               </a:rPr>
-              <a:t>Validation in ElectricalSystem Properties </a:t>
+              <a:t>Tagging of MEP Elements during placement</a:t>
             </a:r>
           </a:p>
           <a:p>
@@ -2737,7 +2272,7 @@
                 <a:ea typeface="+mn-ea"/>
                 <a:cs typeface="+mn-cs"/>
               </a:rPr>
-              <a:t>The ElectricalSystem properties Length and VoltageDrop now throw an InvalidOperationException when the value cannot be computed, instead of returning zero.</a:t>
+              <a:t>You can now tag MEP components as they are being placed instead of doing so in a separate step.</a:t>
             </a:r>
           </a:p>
           <a:p>
@@ -2750,7 +2285,7 @@
                 <a:ea typeface="+mn-ea"/>
                 <a:cs typeface="+mn-cs"/>
               </a:rPr>
-              <a:t>WireMaterialType, InsulationType, TemperatureRatingType </a:t>
+              <a:t>Piping Companion Flanges</a:t>
             </a:r>
           </a:p>
           <a:p>
@@ -2763,7 +2298,7 @@
                 <a:ea typeface="+mn-ea"/>
                 <a:cs typeface="+mn-cs"/>
               </a:rPr>
-              <a:t>These classes now inherit from ElementType.</a:t>
+              <a:t>There is a new pipe fitting type for flanges. If you define a flanged pipe type, you can edit the type and specify a companion flange that will be automatically inserted between the pipes and flanged fittings and on connections to equipment like pumps.</a:t>
             </a:r>
           </a:p>
           <a:p>
@@ -2776,7 +2311,7 @@
                 <a:ea typeface="+mn-ea"/>
                 <a:cs typeface="+mn-cs"/>
               </a:rPr>
-              <a:t>DuctConnector, PipeConnector, ElectricalConnector </a:t>
+              <a:t>Oval Duct</a:t>
             </a:r>
           </a:p>
           <a:p>
@@ -2789,7 +2324,7 @@
                 <a:ea typeface="+mn-ea"/>
                 <a:cs typeface="+mn-cs"/>
               </a:rPr>
-              <a:t>These classes now inherit from a new common ConnectorElement base class.</a:t>
+              <a:t>Oval ducts are now available in addition to the rectangular and round duct shapes. New size separators are available for oval duct size annotations and oval ducts can be used in duct sizing.</a:t>
             </a:r>
           </a:p>
           <a:p>
@@ -2802,7 +2337,7 @@
                 <a:ea typeface="+mn-ea"/>
                 <a:cs typeface="+mn-cs"/>
               </a:rPr>
-              <a:t>Demand Factor and Load Classifications </a:t>
+              <a:t>Demand Factors and Load Categories</a:t>
             </a:r>
           </a:p>
           <a:p>
@@ -2815,7 +2350,20 @@
                 <a:ea typeface="+mn-ea"/>
                 <a:cs typeface="+mn-cs"/>
               </a:rPr>
-              <a:t>The ElectricalSystem LoadClassification property has been replaced with a new property LoadClassifications. It returns a semicolon-delimited string listing the load classifications assigned to the system. Load classifications are now elements and can be found through regular element iteration. </a:t>
+              <a:t>Demand factors have been updated to allow for more control over how demand loads are calculated and can be customized. Load categories are customizable and can be displayed in panel schedules.</a:t>
+            </a:r>
+          </a:p>
+          <a:p>
+            <a:r>
+              <a:rPr lang="en-GB" sz="1400" b="1" u="sng" kern="1200" dirty="0">
+                <a:solidFill>
+                  <a:schemeClr val="tx1"/>
+                </a:solidFill>
+                <a:latin typeface="+mn-lt"/>
+                <a:ea typeface="+mn-ea"/>
+                <a:cs typeface="+mn-cs"/>
+              </a:rPr>
+              <a:t>New Electrical Content</a:t>
             </a:r>
           </a:p>
           <a:p>
@@ -2828,20 +2376,7 @@
                 <a:ea typeface="+mn-ea"/>
                 <a:cs typeface="+mn-cs"/>
               </a:rPr>
-              <a:t>The class DemandFactor was replaced by ElectricalDemandFactorDefinition. </a:t>
-            </a:r>
-          </a:p>
-          <a:p>
-            <a:r>
-              <a:rPr lang="en-GB" sz="1400" kern="1200" dirty="0">
-                <a:solidFill>
-                  <a:schemeClr val="tx1"/>
-                </a:solidFill>
-                <a:latin typeface="+mn-lt"/>
-                <a:ea typeface="+mn-ea"/>
-                <a:cs typeface="+mn-cs"/>
-              </a:rPr>
-              <a:t>The ElectricalSetting method GetDemandFactor has been replaced by the DemandFactorId property on the ElectricalLoadClassification class, which returns the id of the ElectricalDemandFactorDefinition element assigned to the load classification.</a:t>
+              <a:t>Many new types of electrical content have been added. New content is provided for communications, fire safety, data, nurse call, etc. Control panels have been added in addition to the individual controls or devices, so several of these objects can be connected to their appropriate panels.</a:t>
             </a:r>
           </a:p>
         </p:txBody>
@@ -2896,11 +2431,476 @@
         <p:spPr/>
         <p:txBody>
           <a:bodyPr>
-            <a:normAutofit/>
+            <a:normAutofit fontScale="40000" lnSpcReduction="20000"/>
           </a:bodyPr>
           <a:lstStyle/>
           <a:p>
-            <a:endParaRPr lang="en-GB" sz="1400" dirty="0"/>
+            <a:r>
+              <a:rPr lang="en-GB" sz="1400" b="1" kern="1200" dirty="0">
+                <a:solidFill>
+                  <a:schemeClr val="tx1"/>
+                </a:solidFill>
+                <a:latin typeface="+mn-lt"/>
+                <a:ea typeface="+mn-ea"/>
+                <a:cs typeface="+mn-cs"/>
+              </a:rPr>
+              <a:t>The Revit MEP API</a:t>
+            </a:r>
+          </a:p>
+          <a:p>
+            <a:r>
+              <a:rPr lang="en-GB" sz="1400" kern="1200" dirty="0">
+                <a:solidFill>
+                  <a:schemeClr val="tx1"/>
+                </a:solidFill>
+                <a:latin typeface="+mn-lt"/>
+                <a:ea typeface="+mn-ea"/>
+                <a:cs typeface="+mn-cs"/>
+              </a:rPr>
+              <a:t>Many of the enhancements to the Revit 2011 MEP specific API are related to the electrical domain, since the HVAC and mechanical domains were a primary focus of the previous Revit 2010 release. Paralleling the product features, the cable tray, conduit and panel schedules are the main areas of enhancement. A number of other topics have been addressed as well.</a:t>
+            </a:r>
+          </a:p>
+          <a:p>
+            <a:r>
+              <a:rPr lang="en-GB" sz="1400" b="1" kern="1200" dirty="0">
+                <a:solidFill>
+                  <a:schemeClr val="tx1"/>
+                </a:solidFill>
+                <a:latin typeface="+mn-lt"/>
+                <a:ea typeface="+mn-ea"/>
+                <a:cs typeface="+mn-cs"/>
+              </a:rPr>
+              <a:t>Cable Tray and Conduit</a:t>
+            </a:r>
+          </a:p>
+          <a:p>
+            <a:r>
+              <a:rPr lang="en-GB" sz="1400" kern="1200" dirty="0">
+                <a:solidFill>
+                  <a:schemeClr val="tx1"/>
+                </a:solidFill>
+                <a:latin typeface="+mn-lt"/>
+                <a:ea typeface="+mn-ea"/>
+                <a:cs typeface="+mn-cs"/>
+              </a:rPr>
+              <a:t>The entire new cable tray and conduit feature is fully exposed through the API. Whatever can be done in the user interface should be possible using the API as well. A number of new classes and elements related to the cable tray and conduit ones have been added. The major ones are:</a:t>
+            </a:r>
+          </a:p>
+          <a:p>
+            <a:r>
+              <a:rPr lang="en-GB" sz="1400" kern="1200" dirty="0">
+                <a:solidFill>
+                  <a:schemeClr val="tx1"/>
+                </a:solidFill>
+                <a:latin typeface="+mn-lt"/>
+                <a:ea typeface="+mn-ea"/>
+                <a:cs typeface="+mn-cs"/>
+              </a:rPr>
+              <a:t>CableTrayConduitBase – the base class for cable trays and conduits. </a:t>
+            </a:r>
+          </a:p>
+          <a:p>
+            <a:r>
+              <a:rPr lang="en-GB" sz="1400" kern="1200" dirty="0">
+                <a:solidFill>
+                  <a:schemeClr val="tx1"/>
+                </a:solidFill>
+                <a:latin typeface="+mn-lt"/>
+                <a:ea typeface="+mn-ea"/>
+                <a:cs typeface="+mn-cs"/>
+              </a:rPr>
+              <a:t>CableTrayConduitRunBase – the base class for cable tray and conduit runs. </a:t>
+            </a:r>
+          </a:p>
+          <a:p>
+            <a:r>
+              <a:rPr lang="en-GB" sz="1400" kern="1200" dirty="0">
+                <a:solidFill>
+                  <a:schemeClr val="tx1"/>
+                </a:solidFill>
+                <a:latin typeface="+mn-lt"/>
+                <a:ea typeface="+mn-ea"/>
+                <a:cs typeface="+mn-cs"/>
+              </a:rPr>
+              <a:t>CableTray – a cable tray instance. </a:t>
+            </a:r>
+          </a:p>
+          <a:p>
+            <a:r>
+              <a:rPr lang="en-GB" sz="1400" kern="1200" dirty="0">
+                <a:solidFill>
+                  <a:schemeClr val="tx1"/>
+                </a:solidFill>
+                <a:latin typeface="+mn-lt"/>
+                <a:ea typeface="+mn-ea"/>
+                <a:cs typeface="+mn-cs"/>
+              </a:rPr>
+              <a:t>CableTrayType – a cable tray type. </a:t>
+            </a:r>
+          </a:p>
+          <a:p>
+            <a:r>
+              <a:rPr lang="en-GB" sz="1400" kern="1200" dirty="0">
+                <a:solidFill>
+                  <a:schemeClr val="tx1"/>
+                </a:solidFill>
+                <a:latin typeface="+mn-lt"/>
+                <a:ea typeface="+mn-ea"/>
+                <a:cs typeface="+mn-cs"/>
+              </a:rPr>
+              <a:t>CableTrayRun – a cable tray run. </a:t>
+            </a:r>
+          </a:p>
+          <a:p>
+            <a:r>
+              <a:rPr lang="en-GB" sz="1400" kern="1200" dirty="0">
+                <a:solidFill>
+                  <a:schemeClr val="tx1"/>
+                </a:solidFill>
+                <a:latin typeface="+mn-lt"/>
+                <a:ea typeface="+mn-ea"/>
+                <a:cs typeface="+mn-cs"/>
+              </a:rPr>
+              <a:t>Conduit – a conduit instance. </a:t>
+            </a:r>
+          </a:p>
+          <a:p>
+            <a:r>
+              <a:rPr lang="en-GB" sz="1400" kern="1200" dirty="0">
+                <a:solidFill>
+                  <a:schemeClr val="tx1"/>
+                </a:solidFill>
+                <a:latin typeface="+mn-lt"/>
+                <a:ea typeface="+mn-ea"/>
+                <a:cs typeface="+mn-cs"/>
+              </a:rPr>
+              <a:t>ConduitType – a conduit type. </a:t>
+            </a:r>
+          </a:p>
+          <a:p>
+            <a:r>
+              <a:rPr lang="en-GB" sz="1400" kern="1200" dirty="0">
+                <a:solidFill>
+                  <a:schemeClr val="tx1"/>
+                </a:solidFill>
+                <a:latin typeface="+mn-lt"/>
+                <a:ea typeface="+mn-ea"/>
+                <a:cs typeface="+mn-cs"/>
+              </a:rPr>
+              <a:t>ConduitRun – a conduit run. </a:t>
+            </a:r>
+          </a:p>
+          <a:p>
+            <a:r>
+              <a:rPr lang="en-GB" sz="1400" kern="1200" dirty="0">
+                <a:solidFill>
+                  <a:schemeClr val="tx1"/>
+                </a:solidFill>
+                <a:latin typeface="+mn-lt"/>
+                <a:ea typeface="+mn-ea"/>
+                <a:cs typeface="+mn-cs"/>
+              </a:rPr>
+              <a:t>As a result of the introduction of these new conduit elements, the previously existing classes ConduitType and ConduitTypeSet have been renamed to WireConduitType and WireConduitTypeSet.</a:t>
+            </a:r>
+          </a:p>
+          <a:p>
+            <a:r>
+              <a:rPr lang="en-GB" sz="1400" b="1" kern="1200" dirty="0">
+                <a:solidFill>
+                  <a:schemeClr val="tx1"/>
+                </a:solidFill>
+                <a:latin typeface="+mn-lt"/>
+                <a:ea typeface="+mn-ea"/>
+                <a:cs typeface="+mn-cs"/>
+              </a:rPr>
+              <a:t>Panel Schedules </a:t>
+            </a:r>
+          </a:p>
+          <a:p>
+            <a:r>
+              <a:rPr lang="en-GB" sz="1400" kern="1200" dirty="0">
+                <a:solidFill>
+                  <a:schemeClr val="tx1"/>
+                </a:solidFill>
+                <a:latin typeface="+mn-lt"/>
+                <a:ea typeface="+mn-ea"/>
+                <a:cs typeface="+mn-cs"/>
+              </a:rPr>
+              <a:t>A new comprehensive API has been introduced to support access to panel schedules and their contents. The major classes exposed by this API are: </a:t>
+            </a:r>
+          </a:p>
+          <a:p>
+            <a:r>
+              <a:rPr lang="en-GB" sz="1400" kern="1200" dirty="0">
+                <a:solidFill>
+                  <a:schemeClr val="tx1"/>
+                </a:solidFill>
+                <a:latin typeface="+mn-lt"/>
+                <a:ea typeface="+mn-ea"/>
+                <a:cs typeface="+mn-cs"/>
+              </a:rPr>
+              <a:t>TableView – represents a view that shows a table. </a:t>
+            </a:r>
+          </a:p>
+          <a:p>
+            <a:r>
+              <a:rPr lang="en-GB" sz="1400" kern="1200" dirty="0">
+                <a:solidFill>
+                  <a:schemeClr val="tx1"/>
+                </a:solidFill>
+                <a:latin typeface="+mn-lt"/>
+                <a:ea typeface="+mn-ea"/>
+                <a:cs typeface="+mn-cs"/>
+              </a:rPr>
+              <a:t>TableData – holds most of the data describing the table row, column, and cells.</a:t>
+            </a:r>
+          </a:p>
+          <a:p>
+            <a:r>
+              <a:rPr lang="en-GB" sz="1400" kern="1200" dirty="0">
+                <a:solidFill>
+                  <a:schemeClr val="tx1"/>
+                </a:solidFill>
+                <a:latin typeface="+mn-lt"/>
+                <a:ea typeface="+mn-ea"/>
+                <a:cs typeface="+mn-cs"/>
+              </a:rPr>
+              <a:t>TableSectionData – holds row, column and cell data for a TableData instance. </a:t>
+            </a:r>
+          </a:p>
+          <a:p>
+            <a:r>
+              <a:rPr lang="en-GB" sz="1400" kern="1200" dirty="0">
+                <a:solidFill>
+                  <a:schemeClr val="tx1"/>
+                </a:solidFill>
+                <a:latin typeface="+mn-lt"/>
+                <a:ea typeface="+mn-ea"/>
+                <a:cs typeface="+mn-cs"/>
+              </a:rPr>
+              <a:t>PanelScheduleView – represents a view that shows a panel schedule. </a:t>
+            </a:r>
+          </a:p>
+          <a:p>
+            <a:r>
+              <a:rPr lang="en-GB" sz="1400" kern="1200" dirty="0">
+                <a:solidFill>
+                  <a:schemeClr val="tx1"/>
+                </a:solidFill>
+                <a:latin typeface="+mn-lt"/>
+                <a:ea typeface="+mn-ea"/>
+                <a:cs typeface="+mn-cs"/>
+              </a:rPr>
+              <a:t>PanelScheduleData – holds most of the data that describe the layout, appearance, and style of the rows, columns, and cells of a panel schedule. </a:t>
+            </a:r>
+          </a:p>
+          <a:p>
+            <a:r>
+              <a:rPr lang="en-GB" sz="1400" kern="1200" dirty="0">
+                <a:solidFill>
+                  <a:schemeClr val="tx1"/>
+                </a:solidFill>
+                <a:latin typeface="+mn-lt"/>
+                <a:ea typeface="+mn-ea"/>
+                <a:cs typeface="+mn-cs"/>
+              </a:rPr>
+              <a:t>PanelScheduleTemplate – represents a branch panel, a switchboard or a data panel template. </a:t>
+            </a:r>
+          </a:p>
+          <a:p>
+            <a:r>
+              <a:rPr lang="en-GB" sz="1400" kern="1200" dirty="0">
+                <a:solidFill>
+                  <a:schemeClr val="tx1"/>
+                </a:solidFill>
+                <a:latin typeface="+mn-lt"/>
+                <a:ea typeface="+mn-ea"/>
+                <a:cs typeface="+mn-cs"/>
+              </a:rPr>
+              <a:t>PanelScheduleSheetSegment – represents a segment of a panel schedule sheet instance. </a:t>
+            </a:r>
+          </a:p>
+          <a:p>
+            <a:r>
+              <a:rPr lang="en-GB" sz="1400" kern="1200" dirty="0">
+                <a:solidFill>
+                  <a:schemeClr val="tx1"/>
+                </a:solidFill>
+                <a:latin typeface="+mn-lt"/>
+                <a:ea typeface="+mn-ea"/>
+                <a:cs typeface="+mn-cs"/>
+              </a:rPr>
+              <a:t>PanelScheduleSheetInstance – represents an instance of a panel schedule placed on sheet. </a:t>
+            </a:r>
+          </a:p>
+          <a:p>
+            <a:r>
+              <a:rPr lang="en-GB" sz="1400" b="1" kern="1200" dirty="0">
+                <a:solidFill>
+                  <a:schemeClr val="tx1"/>
+                </a:solidFill>
+                <a:latin typeface="+mn-lt"/>
+                <a:ea typeface="+mn-ea"/>
+                <a:cs typeface="+mn-cs"/>
+              </a:rPr>
+              <a:t>Other Enhancements</a:t>
+            </a:r>
+          </a:p>
+          <a:p>
+            <a:r>
+              <a:rPr lang="en-GB" sz="1400" b="1" u="sng" kern="1200" dirty="0">
+                <a:solidFill>
+                  <a:schemeClr val="tx1"/>
+                </a:solidFill>
+                <a:latin typeface="+mn-lt"/>
+                <a:ea typeface="+mn-ea"/>
+                <a:cs typeface="+mn-cs"/>
+              </a:rPr>
+              <a:t>EnergyDataSettings</a:t>
+            </a:r>
+          </a:p>
+          <a:p>
+            <a:r>
+              <a:rPr lang="en-GB" sz="1400" kern="1200" dirty="0">
+                <a:solidFill>
+                  <a:schemeClr val="tx1"/>
+                </a:solidFill>
+                <a:latin typeface="+mn-lt"/>
+                <a:ea typeface="+mn-ea"/>
+                <a:cs typeface="+mn-cs"/>
+              </a:rPr>
+              <a:t>For greater clarity, the gbXMLParamElem class has been renamed to EnergyDataSettings, and some of its members were renamed as well.</a:t>
+            </a:r>
+          </a:p>
+          <a:p>
+            <a:r>
+              <a:rPr lang="en-GB" sz="1400" b="1" u="sng" kern="1200" dirty="0">
+                <a:solidFill>
+                  <a:schemeClr val="tx1"/>
+                </a:solidFill>
+                <a:latin typeface="+mn-lt"/>
+                <a:ea typeface="+mn-ea"/>
+                <a:cs typeface="+mn-cs"/>
+              </a:rPr>
+              <a:t>Validation in ElectricalSystem Properties </a:t>
+            </a:r>
+          </a:p>
+          <a:p>
+            <a:r>
+              <a:rPr lang="en-GB" sz="1400" kern="1200" dirty="0">
+                <a:solidFill>
+                  <a:schemeClr val="tx1"/>
+                </a:solidFill>
+                <a:latin typeface="+mn-lt"/>
+                <a:ea typeface="+mn-ea"/>
+                <a:cs typeface="+mn-cs"/>
+              </a:rPr>
+              <a:t>The ElectricalSystem properties Length and VoltageDrop now throw an InvalidOperationException when the value cannot be computed, instead of returning zero.</a:t>
+            </a:r>
+          </a:p>
+          <a:p>
+            <a:r>
+              <a:rPr lang="en-GB" sz="1400" b="1" u="sng" kern="1200" dirty="0">
+                <a:solidFill>
+                  <a:schemeClr val="tx1"/>
+                </a:solidFill>
+                <a:latin typeface="+mn-lt"/>
+                <a:ea typeface="+mn-ea"/>
+                <a:cs typeface="+mn-cs"/>
+              </a:rPr>
+              <a:t>WireMaterialType, InsulationType, TemperatureRatingType </a:t>
+            </a:r>
+          </a:p>
+          <a:p>
+            <a:r>
+              <a:rPr lang="en-GB" sz="1400" kern="1200" dirty="0">
+                <a:solidFill>
+                  <a:schemeClr val="tx1"/>
+                </a:solidFill>
+                <a:latin typeface="+mn-lt"/>
+                <a:ea typeface="+mn-ea"/>
+                <a:cs typeface="+mn-cs"/>
+              </a:rPr>
+              <a:t>These classes now inherit from ElementType.</a:t>
+            </a:r>
+          </a:p>
+          <a:p>
+            <a:r>
+              <a:rPr lang="en-GB" sz="1400" b="1" u="sng" kern="1200" dirty="0">
+                <a:solidFill>
+                  <a:schemeClr val="tx1"/>
+                </a:solidFill>
+                <a:latin typeface="+mn-lt"/>
+                <a:ea typeface="+mn-ea"/>
+                <a:cs typeface="+mn-cs"/>
+              </a:rPr>
+              <a:t>DuctConnector, PipeConnector, ElectricalConnector </a:t>
+            </a:r>
+          </a:p>
+          <a:p>
+            <a:r>
+              <a:rPr lang="en-GB" sz="1400" kern="1200" dirty="0">
+                <a:solidFill>
+                  <a:schemeClr val="tx1"/>
+                </a:solidFill>
+                <a:latin typeface="+mn-lt"/>
+                <a:ea typeface="+mn-ea"/>
+                <a:cs typeface="+mn-cs"/>
+              </a:rPr>
+              <a:t>These classes now inherit from a new common ConnectorElement base class.</a:t>
+            </a:r>
+          </a:p>
+          <a:p>
+            <a:r>
+              <a:rPr lang="en-GB" sz="1400" b="1" u="sng" kern="1200" dirty="0">
+                <a:solidFill>
+                  <a:schemeClr val="tx1"/>
+                </a:solidFill>
+                <a:latin typeface="+mn-lt"/>
+                <a:ea typeface="+mn-ea"/>
+                <a:cs typeface="+mn-cs"/>
+              </a:rPr>
+              <a:t>Demand Factor and Load Classifications </a:t>
+            </a:r>
+          </a:p>
+          <a:p>
+            <a:r>
+              <a:rPr lang="en-GB" sz="1400" kern="1200" dirty="0">
+                <a:solidFill>
+                  <a:schemeClr val="tx1"/>
+                </a:solidFill>
+                <a:latin typeface="+mn-lt"/>
+                <a:ea typeface="+mn-ea"/>
+                <a:cs typeface="+mn-cs"/>
+              </a:rPr>
+              <a:t>The ElectricalSystem LoadClassification property has been replaced with a new property LoadClassifications. It returns a semicolon-delimited string listing the load classifications assigned to the system. Load classifications are now elements and can be found through regular element iteration. </a:t>
+            </a:r>
+          </a:p>
+          <a:p>
+            <a:r>
+              <a:rPr lang="en-GB" sz="1400" kern="1200" dirty="0">
+                <a:solidFill>
+                  <a:schemeClr val="tx1"/>
+                </a:solidFill>
+                <a:latin typeface="+mn-lt"/>
+                <a:ea typeface="+mn-ea"/>
+                <a:cs typeface="+mn-cs"/>
+              </a:rPr>
+              <a:t>The class DemandFactor was replaced by ElectricalDemandFactorDefinition. </a:t>
+            </a:r>
+          </a:p>
+          <a:p>
+            <a:r>
+              <a:rPr lang="en-GB" sz="1400" kern="1200" dirty="0">
+                <a:solidFill>
+                  <a:schemeClr val="tx1"/>
+                </a:solidFill>
+                <a:latin typeface="+mn-lt"/>
+                <a:ea typeface="+mn-ea"/>
+                <a:cs typeface="+mn-cs"/>
+              </a:rPr>
+              <a:t>The ElectricalSetting method GetDemandFactor has been replaced by the DemandFactorId property on the ElectricalLoadClassification class, which returns the id of the ElectricalDemandFactorDefinition element assigned to the load classification.</a:t>
+            </a:r>
           </a:p>
         </p:txBody>
       </p:sp>
@@ -2958,32 +2958,6 @@
           </a:bodyPr>
           <a:lstStyle/>
           <a:p>
-            <a:r>
-              <a:rPr lang="en-US" sz="1400" dirty="0"/>
-              <a:t>A group of new classes provide read and write access to the MEP pipe settings.</a:t>
-            </a:r>
-          </a:p>
-          <a:p>
-            <a:r>
-              <a:rPr lang="en-US" sz="1400" dirty="0"/>
-              <a:t>The Duct and Pipe classes provide new</a:t>
-            </a:r>
-            <a:r>
-              <a:rPr lang="en-US" sz="1400" baseline="0" dirty="0"/>
-              <a:t> methods to create placeholder elements and predicate properties to identify such elements.</a:t>
-            </a:r>
-          </a:p>
-          <a:p>
-            <a:r>
-              <a:rPr lang="en-GB" sz="1400" dirty="0"/>
-              <a:t>New utility methods MechanicalUtils.ConvertDuctPlaceholders and PlumbingUtils.ConvertPipePlaceholdersMechanicalUtils convert a set of placeholder ducts and pipes to real 3D elements.</a:t>
-            </a:r>
-          </a:p>
-          <a:p>
-            <a:r>
-              <a:rPr lang="en-US" sz="1400" dirty="0"/>
-              <a:t>The new classes DuctInsulation, PipeInsulation, DuctLining and related types support read/write and create access to duct &amp; pipe insulation and lining. In Revit 2012, these objects are now accessible as standalone elements related to their parent duct, pipe, or fitting.</a:t>
-            </a:r>
             <a:endParaRPr lang="en-GB" sz="1400" dirty="0"/>
           </a:p>
         </p:txBody>
@@ -3042,7 +3016,33 @@
           </a:bodyPr>
           <a:lstStyle/>
           <a:p>
-            <a:endParaRPr lang="en-GB"/>
+            <a:r>
+              <a:rPr lang="en-US" sz="1400" dirty="0"/>
+              <a:t>A group of new classes provide read and write access to the MEP pipe settings.</a:t>
+            </a:r>
+          </a:p>
+          <a:p>
+            <a:r>
+              <a:rPr lang="en-US" sz="1400" dirty="0"/>
+              <a:t>The Duct and Pipe classes provide new</a:t>
+            </a:r>
+            <a:r>
+              <a:rPr lang="en-US" sz="1400" baseline="0" dirty="0"/>
+              <a:t> methods to create placeholder elements and predicate properties to identify such elements.</a:t>
+            </a:r>
+          </a:p>
+          <a:p>
+            <a:r>
+              <a:rPr lang="en-GB" sz="1400" dirty="0"/>
+              <a:t>New utility methods MechanicalUtils.ConvertDuctPlaceholders and PlumbingUtils.ConvertPipePlaceholdersMechanicalUtils convert a set of placeholder ducts and pipes to real 3D elements.</a:t>
+            </a:r>
+          </a:p>
+          <a:p>
+            <a:r>
+              <a:rPr lang="en-US" sz="1400" dirty="0"/>
+              <a:t>The new classes DuctInsulation, PipeInsulation, DuctLining and related types support read/write and create access to duct &amp; pipe insulation and lining. In Revit 2012, these objects are now accessible as standalone elements related to their parent duct, pipe, or fitting.</a:t>
+            </a:r>
+            <a:endParaRPr lang="en-GB" sz="1400" dirty="0"/>
           </a:p>
         </p:txBody>
       </p:sp>
@@ -3100,11 +3100,7 @@
           </a:bodyPr>
           <a:lstStyle/>
           <a:p>
-            <a:r>
-              <a:rPr lang="en-US" dirty="0"/>
-              <a:t>The new classes DuctInsulation, PipeInsulation, DuctLining and related types support read/write and create access to duct and pipe insulation and lining. In Revit 2012, these objects are accessible as standalone elements related to their parent duct, pipe, or fitting.</a:t>
-            </a:r>
-            <a:endParaRPr lang="en-GB" dirty="0"/>
+            <a:endParaRPr lang="en-GB"/>
           </a:p>
         </p:txBody>
       </p:sp>
@@ -3162,7 +3158,11 @@
           </a:bodyPr>
           <a:lstStyle/>
           <a:p>
-            <a:endParaRPr lang="en-GB"/>
+            <a:r>
+              <a:rPr lang="en-US" dirty="0"/>
+              <a:t>The new classes DuctInsulation, PipeInsulation, DuctLining and related types support read/write and create access to duct and pipe insulation and lining. In Revit 2012, these objects are accessible as standalone elements related to their parent duct, pipe, or fitting.</a:t>
+            </a:r>
+            <a:endParaRPr lang="en-GB" dirty="0"/>
           </a:p>
         </p:txBody>
       </p:sp>
@@ -3350,130 +3350,7 @@
           </a:bodyPr>
           <a:lstStyle/>
           <a:p>
-            <a:pPr marL="0" marR="0" indent="0" algn="l" defTabSz="1300091" rtl="0" eaLnBrk="1" fontAlgn="base" latinLnBrk="0" hangingPunct="1">
-              <a:lnSpc>
-                <a:spcPct val="100000"/>
-              </a:lnSpc>
-              <a:spcBef>
-                <a:spcPct val="30000"/>
-              </a:spcBef>
-              <a:spcAft>
-                <a:spcPct val="0"/>
-              </a:spcAft>
-              <a:buClrTx/>
-              <a:buSzTx/>
-              <a:buFontTx/>
-              <a:buNone/>
-              <a:tabLst/>
-              <a:defRPr/>
-            </a:pPr>
-            <a:r>
-              <a:rPr lang="en-GB" sz="1000" kern="1200" baseline="0" dirty="0">
-                <a:solidFill>
-                  <a:schemeClr val="tx1"/>
-                </a:solidFill>
-                <a:latin typeface="Calibri" pitchFamily="34" charset="0"/>
-                <a:ea typeface="+mn-ea"/>
-                <a:cs typeface="+mn-cs"/>
-              </a:rPr>
-              <a:t>In Revit MEP 2012, you can only define one single default elbow, tee, etc., which is rather limiting. In Revit 2013, however, numerous different setting for different materials and sizes are supported. One of the major MEP API additions provides access to the routing preferences, as demonstrated by the new Routing Preference Analysis SDK sample. Enhancements include programmatic selection of pipe sizes, materials, fitting types, calculation of pipe and duct friction factors, better handling of duct and pipe sections with the new </a:t>
-            </a:r>
-            <a:r>
-              <a:rPr lang="en-GB" sz="1000" kern="1200" baseline="0" dirty="0" err="1">
-                <a:solidFill>
-                  <a:schemeClr val="tx1"/>
-                </a:solidFill>
-                <a:latin typeface="Calibri" pitchFamily="34" charset="0"/>
-                <a:ea typeface="+mn-ea"/>
-                <a:cs typeface="+mn-cs"/>
-              </a:rPr>
-              <a:t>MEPSection</a:t>
-            </a:r>
-            <a:r>
-              <a:rPr lang="en-GB" sz="1000" kern="1200" baseline="0" dirty="0">
-                <a:solidFill>
-                  <a:schemeClr val="tx1"/>
-                </a:solidFill>
-                <a:latin typeface="Calibri" pitchFamily="34" charset="0"/>
-                <a:ea typeface="+mn-ea"/>
-                <a:cs typeface="+mn-cs"/>
-              </a:rPr>
-              <a:t> base class, handling of viscosity and density at specified temperatures, read and write access to spare circuit values, and retrieval of the localised user-visible display strings for enumeration values.</a:t>
-            </a:r>
-          </a:p>
-          <a:p>
-            <a:pPr marL="0" marR="0" indent="0" algn="l" defTabSz="1300091" rtl="0" eaLnBrk="1" fontAlgn="base" latinLnBrk="0" hangingPunct="1">
-              <a:lnSpc>
-                <a:spcPct val="100000"/>
-              </a:lnSpc>
-              <a:spcBef>
-                <a:spcPct val="30000"/>
-              </a:spcBef>
-              <a:spcAft>
-                <a:spcPct val="0"/>
-              </a:spcAft>
-              <a:buClrTx/>
-              <a:buSzTx/>
-              <a:buFontTx/>
-              <a:buNone/>
-              <a:tabLst/>
-              <a:defRPr/>
-            </a:pPr>
-            <a:r>
-              <a:rPr lang="en-GB" sz="1600" kern="1200" dirty="0">
-                <a:solidFill>
-                  <a:schemeClr val="tx1"/>
-                </a:solidFill>
-                <a:latin typeface="+mn-lt"/>
-                <a:ea typeface="+mn-ea"/>
-                <a:cs typeface="+mn-cs"/>
-              </a:rPr>
-              <a:t>New physical properties include a new class </a:t>
-            </a:r>
-            <a:r>
-              <a:rPr lang="en-GB" sz="1600" kern="1200" dirty="0" err="1">
-                <a:solidFill>
-                  <a:schemeClr val="tx1"/>
-                </a:solidFill>
-                <a:latin typeface="+mn-lt"/>
-                <a:ea typeface="+mn-ea"/>
-                <a:cs typeface="+mn-cs"/>
-              </a:rPr>
-              <a:t>ThermalProperties</a:t>
-            </a:r>
-            <a:r>
-              <a:rPr lang="en-GB" sz="1600" kern="1200" dirty="0">
-                <a:solidFill>
-                  <a:schemeClr val="tx1"/>
-                </a:solidFill>
-                <a:latin typeface="+mn-lt"/>
-                <a:ea typeface="+mn-ea"/>
-                <a:cs typeface="+mn-cs"/>
-              </a:rPr>
-              <a:t>, an additional structural material element, structural and thermal material assets that can be shared, and the ability to indicate if thermal information is included in the </a:t>
-            </a:r>
-            <a:r>
-              <a:rPr lang="en-GB" sz="1600" kern="1200" dirty="0" err="1">
-                <a:solidFill>
-                  <a:schemeClr val="tx1"/>
-                </a:solidFill>
-                <a:latin typeface="+mn-lt"/>
-                <a:ea typeface="+mn-ea"/>
-                <a:cs typeface="+mn-cs"/>
-              </a:rPr>
-              <a:t>gbXML</a:t>
-            </a:r>
-            <a:r>
-              <a:rPr lang="en-GB" sz="1600" kern="1200" dirty="0">
-                <a:solidFill>
-                  <a:schemeClr val="tx1"/>
-                </a:solidFill>
-                <a:latin typeface="+mn-lt"/>
-                <a:ea typeface="+mn-ea"/>
-                <a:cs typeface="+mn-cs"/>
-              </a:rPr>
-              <a:t> export.</a:t>
-            </a:r>
+            <a:endParaRPr lang="en-GB"/>
           </a:p>
         </p:txBody>
       </p:sp>
@@ -3549,7 +3426,7 @@
               <a:defRPr/>
             </a:pPr>
             <a:r>
-              <a:rPr lang="en-GB" sz="900" kern="1200" baseline="0" dirty="0">
+              <a:rPr lang="en-GB" sz="1000" kern="1200" baseline="0" dirty="0">
                 <a:solidFill>
                   <a:schemeClr val="tx1"/>
                 </a:solidFill>
@@ -3557,10 +3434,10 @@
                 <a:ea typeface="+mn-ea"/>
                 <a:cs typeface="+mn-cs"/>
               </a:rPr>
-              <a:t>In Revit MEP 2012, you can only define one single default elbow, tee, etc., which is rather limiting. In Revit 2013, numerous different setting for different materials and sizes are supported. One of the major MEP API additions provides access to the routing preferences, as demonstrated by the new Routing Preference Analysis SDK sample. Enhancements include programmatic selection of pipe sizes, materials, fitting types, calculation of pipe and duct friction factors, better handling of duct and pipe sections with the new </a:t>
-            </a:r>
-            <a:r>
-              <a:rPr lang="en-GB" sz="900" kern="1200" baseline="0" dirty="0" err="1">
+              <a:t>In Revit MEP 2012, you can only define one single default elbow, tee, etc., which is rather limiting. In Revit 2013, however, numerous different setting for different materials and sizes are supported. One of the major MEP API additions provides access to the routing preferences, as demonstrated by the new Routing Preference Analysis SDK sample. Enhancements include programmatic selection of pipe sizes, materials, fitting types, calculation of pipe and duct friction factors, better handling of duct and pipe sections with the new </a:t>
+            </a:r>
+            <a:r>
+              <a:rPr lang="en-GB" sz="1000" kern="1200" baseline="0" dirty="0" err="1">
                 <a:solidFill>
                   <a:schemeClr val="tx1"/>
                 </a:solidFill>
@@ -3571,7 +3448,7 @@
               <a:t>MEPSection</a:t>
             </a:r>
             <a:r>
-              <a:rPr lang="en-GB" sz="900" kern="1200" baseline="0" dirty="0">
+              <a:rPr lang="en-GB" sz="1000" kern="1200" baseline="0" dirty="0">
                 <a:solidFill>
                   <a:schemeClr val="tx1"/>
                 </a:solidFill>
@@ -3601,7 +3478,7 @@
               <a:defRPr/>
             </a:pPr>
             <a:r>
-              <a:rPr lang="en-GB" sz="1400" kern="1200" dirty="0">
+              <a:rPr lang="en-GB" sz="1600" kern="1200" dirty="0">
                 <a:solidFill>
                   <a:schemeClr val="tx1"/>
                 </a:solidFill>
@@ -3612,7 +3489,7 @@
               <a:t>New physical properties include a new class </a:t>
             </a:r>
             <a:r>
-              <a:rPr lang="en-GB" sz="1400" kern="1200" dirty="0" err="1">
+              <a:rPr lang="en-GB" sz="1600" kern="1200" dirty="0" err="1">
                 <a:solidFill>
                   <a:schemeClr val="tx1"/>
                 </a:solidFill>
@@ -3623,7 +3500,7 @@
               <a:t>ThermalProperties</a:t>
             </a:r>
             <a:r>
-              <a:rPr lang="en-GB" sz="1400" kern="1200" dirty="0">
+              <a:rPr lang="en-GB" sz="1600" kern="1200" dirty="0">
                 <a:solidFill>
                   <a:schemeClr val="tx1"/>
                 </a:solidFill>
@@ -3634,7 +3511,7 @@
               <a:t>, an additional structural material element, structural and thermal material assets that can be shared, and the ability to indicate if thermal information is included in the </a:t>
             </a:r>
             <a:r>
-              <a:rPr lang="en-GB" sz="1400" kern="1200" dirty="0" err="1">
+              <a:rPr lang="en-GB" sz="1600" kern="1200" dirty="0" err="1">
                 <a:solidFill>
                   <a:schemeClr val="tx1"/>
                 </a:solidFill>
@@ -3645,7 +3522,7 @@
               <a:t>gbXML</a:t>
             </a:r>
             <a:r>
-              <a:rPr lang="en-GB" sz="1400" kern="1200" dirty="0">
+              <a:rPr lang="en-GB" sz="1600" kern="1200" dirty="0">
                 <a:solidFill>
                   <a:schemeClr val="tx1"/>
                 </a:solidFill>
@@ -3708,162 +3585,134 @@
         <p:spPr/>
         <p:txBody>
           <a:bodyPr>
-            <a:normAutofit fontScale="85000" lnSpcReduction="10000"/>
+            <a:normAutofit/>
           </a:bodyPr>
           <a:lstStyle/>
           <a:p>
-            <a:r>
-              <a:rPr lang="en-ZW" dirty="0"/>
-              <a:t>Let's look at some of the topics going beyond the recorded </a:t>
-            </a:r>
-            <a:r>
-              <a:rPr lang="en-ZW" dirty="0" err="1"/>
-              <a:t>DevDays</a:t>
-            </a:r>
-            <a:r>
-              <a:rPr lang="en-ZW" dirty="0"/>
-              <a:t> Online presentation, starting with some of the new analysis and simulation features.</a:t>
-            </a:r>
-          </a:p>
-          <a:p>
-            <a:endParaRPr lang="en-ZW" dirty="0"/>
-          </a:p>
-          <a:p>
-            <a:r>
-              <a:rPr lang="en-ZW" dirty="0"/>
-              <a:t>In Revit MEP 2012, you can only define one single default elbow, tee, etc., which is rather limiting. In Autodesk Revit 2013 software, numerous different setting for different materials and sizes are supported. One of the major MEP API additions provides access to the routing preferences, as demonstrated by the new Routing Preference Analysis SDK sample. Other enhancements enable programmatic selection of pipe sizes, materials, fitting types, calculation of pipe and duct friction factors, better handling of duct and pipe sections with the new </a:t>
-            </a:r>
-            <a:r>
-              <a:rPr lang="en-ZW" dirty="0" err="1"/>
-              <a:t>MEPSection</a:t>
-            </a:r>
-            <a:r>
-              <a:rPr lang="en-ZW" dirty="0"/>
-              <a:t> base class, handling of viscosity and density at specified temperatures, read and write access to spare circuit values, and retrieval of the localized user-visible display strings for enumeration values. </a:t>
-            </a:r>
-          </a:p>
-          <a:p>
-            <a:r>
-              <a:rPr lang="en-ZW" dirty="0"/>
-              <a:t>New physical properties include a new class </a:t>
-            </a:r>
-            <a:r>
-              <a:rPr lang="en-ZW" dirty="0" err="1"/>
-              <a:t>ThermalProperties</a:t>
-            </a:r>
-            <a:r>
-              <a:rPr lang="en-ZW" dirty="0"/>
-              <a:t>, an additional structural material element, structural and thermal material assets that can be shared, and the ability to indicate if thermal information is included in the </a:t>
-            </a:r>
-            <a:r>
-              <a:rPr lang="en-ZW" dirty="0" err="1"/>
-              <a:t>gbXML</a:t>
-            </a:r>
-            <a:r>
-              <a:rPr lang="en-ZW" dirty="0"/>
-              <a:t> export. </a:t>
-            </a:r>
-          </a:p>
-          <a:p>
-            <a:r>
-              <a:rPr lang="en-ZW" dirty="0"/>
-              <a:t>The structural analytical model includes a new </a:t>
-            </a:r>
-            <a:r>
-              <a:rPr lang="en-ZW" dirty="0" err="1"/>
-              <a:t>AnalyticalLink</a:t>
-            </a:r>
-            <a:r>
-              <a:rPr lang="en-ZW" dirty="0"/>
-              <a:t> element type that can be user defined or automatically generated between two analytical elements and access to link properties like "fixity state". </a:t>
-            </a:r>
-          </a:p>
-          <a:p>
-            <a:r>
-              <a:rPr lang="en-ZW" dirty="0"/>
-              <a:t>The Analysis Visualization Framework AVF now better supports the structural analysis workflow, e.g. by including support for deformed shapes. </a:t>
-            </a:r>
-          </a:p>
-          <a:p>
-            <a:r>
-              <a:rPr lang="en-ZW" dirty="0"/>
-              <a:t>A Light and Light Group API provides new classes to get and set photometric data, including initial </a:t>
-            </a:r>
-            <a:r>
-              <a:rPr lang="en-ZW" dirty="0" err="1"/>
-              <a:t>color</a:t>
-            </a:r>
-            <a:r>
-              <a:rPr lang="en-ZW" dirty="0"/>
-              <a:t> and intensity, loss factor, </a:t>
-            </a:r>
-            <a:r>
-              <a:rPr lang="en-ZW" dirty="0" err="1"/>
-              <a:t>color</a:t>
-            </a:r>
-            <a:r>
-              <a:rPr lang="en-ZW" dirty="0"/>
-              <a:t> filter and dimming </a:t>
-            </a:r>
-            <a:r>
-              <a:rPr lang="en-ZW" dirty="0" err="1"/>
-              <a:t>color</a:t>
-            </a:r>
-            <a:r>
-              <a:rPr lang="en-ZW" dirty="0"/>
-              <a:t>. </a:t>
-            </a:r>
-          </a:p>
-          <a:p>
-            <a:r>
-              <a:rPr lang="en-ZW" dirty="0"/>
-              <a:t>The new </a:t>
-            </a:r>
-            <a:r>
-              <a:rPr lang="en-ZW" dirty="0" err="1"/>
-              <a:t>ReferenceIntersector</a:t>
-            </a:r>
-            <a:r>
-              <a:rPr lang="en-ZW" dirty="0"/>
-              <a:t> class mentioned above provides simplified and more performant ray-cast selection of elements using a given point and direction, similar to the existing </a:t>
-            </a:r>
-            <a:r>
-              <a:rPr lang="en-ZW" dirty="0" err="1"/>
-              <a:t>FindReferencesWithContextByDirection</a:t>
-            </a:r>
-            <a:r>
-              <a:rPr lang="en-ZW" dirty="0"/>
-              <a:t> method, with additional support for filtering the output, e.g. to collect elements, meshes, edges, curves, and faces.</a:t>
-            </a:r>
-          </a:p>
-        </p:txBody>
-      </p:sp>
-      <p:sp>
-        <p:nvSpPr>
-          <p:cNvPr id="4" name="Slide Number Placeholder 3"/>
-          <p:cNvSpPr>
-            <a:spLocks noGrp="1"/>
-          </p:cNvSpPr>
-          <p:nvPr>
-            <p:ph type="sldNum" sz="quarter" idx="10"/>
-          </p:nvPr>
-        </p:nvSpPr>
-        <p:spPr/>
-        <p:txBody>
-          <a:bodyPr/>
-          <a:lstStyle/>
-          <a:p>
-            <a:pPr>
+            <a:pPr marL="0" marR="0" indent="0" algn="l" defTabSz="1300091" rtl="0" eaLnBrk="1" fontAlgn="base" latinLnBrk="0" hangingPunct="1">
+              <a:lnSpc>
+                <a:spcPct val="100000"/>
+              </a:lnSpc>
+              <a:spcBef>
+                <a:spcPct val="30000"/>
+              </a:spcBef>
+              <a:spcAft>
+                <a:spcPct val="0"/>
+              </a:spcAft>
+              <a:buClrTx/>
+              <a:buSzTx/>
+              <a:buFontTx/>
+              <a:buNone/>
+              <a:tabLst/>
               <a:defRPr/>
             </a:pPr>
-            <a:fld id="{9EC167E1-C60E-45A7-B40D-9629AC64C384}" type="slidenum">
-              <a:rPr lang="en-US" smtClean="0"/>
-              <a:pPr>
-                <a:defRPr/>
-              </a:pPr>
-              <a:t>42</a:t>
-            </a:fld>
-            <a:endParaRPr lang="en-US" dirty="0"/>
+            <a:r>
+              <a:rPr lang="en-GB" sz="900" kern="1200" baseline="0" dirty="0">
+                <a:solidFill>
+                  <a:schemeClr val="tx1"/>
+                </a:solidFill>
+                <a:latin typeface="Calibri" pitchFamily="34" charset="0"/>
+                <a:ea typeface="+mn-ea"/>
+                <a:cs typeface="+mn-cs"/>
+              </a:rPr>
+              <a:t>In Revit MEP 2012, you can only define one single default elbow, tee, etc., which is rather limiting. In Revit 2013, numerous different setting for different materials and sizes are supported. One of the major MEP API additions provides access to the routing preferences, as demonstrated by the new Routing Preference Analysis SDK sample. Enhancements include programmatic selection of pipe sizes, materials, fitting types, calculation of pipe and duct friction factors, better handling of duct and pipe sections with the new </a:t>
+            </a:r>
+            <a:r>
+              <a:rPr lang="en-GB" sz="900" kern="1200" baseline="0" dirty="0" err="1">
+                <a:solidFill>
+                  <a:schemeClr val="tx1"/>
+                </a:solidFill>
+                <a:latin typeface="Calibri" pitchFamily="34" charset="0"/>
+                <a:ea typeface="+mn-ea"/>
+                <a:cs typeface="+mn-cs"/>
+              </a:rPr>
+              <a:t>MEPSection</a:t>
+            </a:r>
+            <a:r>
+              <a:rPr lang="en-GB" sz="900" kern="1200" baseline="0" dirty="0">
+                <a:solidFill>
+                  <a:schemeClr val="tx1"/>
+                </a:solidFill>
+                <a:latin typeface="Calibri" pitchFamily="34" charset="0"/>
+                <a:ea typeface="+mn-ea"/>
+                <a:cs typeface="+mn-cs"/>
+              </a:rPr>
+              <a:t> base class, handling of viscosity and density at specified temperatures, read and write access to spare circuit values, and retrieval of the localised user-visible display strings for enumeration values.</a:t>
+            </a:r>
+          </a:p>
+          <a:p>
+            <a:pPr marL="0" marR="0" indent="0" algn="l" defTabSz="1300091" rtl="0" eaLnBrk="1" fontAlgn="base" latinLnBrk="0" hangingPunct="1">
+              <a:lnSpc>
+                <a:spcPct val="100000"/>
+              </a:lnSpc>
+              <a:spcBef>
+                <a:spcPct val="30000"/>
+              </a:spcBef>
+              <a:spcAft>
+                <a:spcPct val="0"/>
+              </a:spcAft>
+              <a:buClrTx/>
+              <a:buSzTx/>
+              <a:buFontTx/>
+              <a:buNone/>
+              <a:tabLst/>
+              <a:defRPr/>
+            </a:pPr>
+            <a:r>
+              <a:rPr lang="en-GB" sz="1400" kern="1200" dirty="0">
+                <a:solidFill>
+                  <a:schemeClr val="tx1"/>
+                </a:solidFill>
+                <a:latin typeface="+mn-lt"/>
+                <a:ea typeface="+mn-ea"/>
+                <a:cs typeface="+mn-cs"/>
+              </a:rPr>
+              <a:t>New physical properties include a new class </a:t>
+            </a:r>
+            <a:r>
+              <a:rPr lang="en-GB" sz="1400" kern="1200" dirty="0" err="1">
+                <a:solidFill>
+                  <a:schemeClr val="tx1"/>
+                </a:solidFill>
+                <a:latin typeface="+mn-lt"/>
+                <a:ea typeface="+mn-ea"/>
+                <a:cs typeface="+mn-cs"/>
+              </a:rPr>
+              <a:t>ThermalProperties</a:t>
+            </a:r>
+            <a:r>
+              <a:rPr lang="en-GB" sz="1400" kern="1200" dirty="0">
+                <a:solidFill>
+                  <a:schemeClr val="tx1"/>
+                </a:solidFill>
+                <a:latin typeface="+mn-lt"/>
+                <a:ea typeface="+mn-ea"/>
+                <a:cs typeface="+mn-cs"/>
+              </a:rPr>
+              <a:t>, an additional structural material element, structural and thermal material assets that can be shared, and the ability to indicate if thermal information is included in the </a:t>
+            </a:r>
+            <a:r>
+              <a:rPr lang="en-GB" sz="1400" kern="1200" dirty="0" err="1">
+                <a:solidFill>
+                  <a:schemeClr val="tx1"/>
+                </a:solidFill>
+                <a:latin typeface="+mn-lt"/>
+                <a:ea typeface="+mn-ea"/>
+                <a:cs typeface="+mn-cs"/>
+              </a:rPr>
+              <a:t>gbXML</a:t>
+            </a:r>
+            <a:r>
+              <a:rPr lang="en-GB" sz="1400" kern="1200" dirty="0">
+                <a:solidFill>
+                  <a:schemeClr val="tx1"/>
+                </a:solidFill>
+                <a:latin typeface="+mn-lt"/>
+                <a:ea typeface="+mn-ea"/>
+                <a:cs typeface="+mn-cs"/>
+              </a:rPr>
+              <a:t> export.</a:t>
+            </a:r>
           </a:p>
         </p:txBody>
       </p:sp>
@@ -3917,6 +3766,215 @@
         <p:spPr/>
         <p:txBody>
           <a:bodyPr>
+            <a:normAutofit fontScale="85000" lnSpcReduction="10000"/>
+          </a:bodyPr>
+          <a:lstStyle/>
+          <a:p>
+            <a:r>
+              <a:rPr lang="en-ZW" dirty="0"/>
+              <a:t>Let's look at some of the topics going beyond the recorded </a:t>
+            </a:r>
+            <a:r>
+              <a:rPr lang="en-ZW" dirty="0" err="1"/>
+              <a:t>DevDays</a:t>
+            </a:r>
+            <a:r>
+              <a:rPr lang="en-ZW" dirty="0"/>
+              <a:t> Online presentation, starting with some of the new analysis and simulation features.</a:t>
+            </a:r>
+          </a:p>
+          <a:p>
+            <a:endParaRPr lang="en-ZW" dirty="0"/>
+          </a:p>
+          <a:p>
+            <a:r>
+              <a:rPr lang="en-ZW" dirty="0"/>
+              <a:t>In Revit MEP 2012, you can only define one single default elbow, tee, etc., which is rather limiting. In Autodesk Revit 2013 software, numerous different setting for different materials and sizes are supported. One of the major MEP API additions provides access to the routing preferences, as demonstrated by the new Routing Preference Analysis SDK sample. Other enhancements enable programmatic selection of pipe sizes, materials, fitting types, calculation of pipe and duct friction factors, better handling of duct and pipe sections with the new </a:t>
+            </a:r>
+            <a:r>
+              <a:rPr lang="en-ZW" dirty="0" err="1"/>
+              <a:t>MEPSection</a:t>
+            </a:r>
+            <a:r>
+              <a:rPr lang="en-ZW" dirty="0"/>
+              <a:t> base class, handling of viscosity and density at specified temperatures, read and write access to spare circuit values, and retrieval of the localized user-visible display strings for enumeration values. </a:t>
+            </a:r>
+          </a:p>
+          <a:p>
+            <a:r>
+              <a:rPr lang="en-ZW" dirty="0"/>
+              <a:t>New physical properties include a new class </a:t>
+            </a:r>
+            <a:r>
+              <a:rPr lang="en-ZW" dirty="0" err="1"/>
+              <a:t>ThermalProperties</a:t>
+            </a:r>
+            <a:r>
+              <a:rPr lang="en-ZW" dirty="0"/>
+              <a:t>, an additional structural material element, structural and thermal material assets that can be shared, and the ability to indicate if thermal information is included in the </a:t>
+            </a:r>
+            <a:r>
+              <a:rPr lang="en-ZW" dirty="0" err="1"/>
+              <a:t>gbXML</a:t>
+            </a:r>
+            <a:r>
+              <a:rPr lang="en-ZW" dirty="0"/>
+              <a:t> export. </a:t>
+            </a:r>
+          </a:p>
+          <a:p>
+            <a:r>
+              <a:rPr lang="en-ZW" dirty="0"/>
+              <a:t>The structural analytical model includes a new </a:t>
+            </a:r>
+            <a:r>
+              <a:rPr lang="en-ZW" dirty="0" err="1"/>
+              <a:t>AnalyticalLink</a:t>
+            </a:r>
+            <a:r>
+              <a:rPr lang="en-ZW" dirty="0"/>
+              <a:t> element type that can be user defined or automatically generated between two analytical elements and access to link properties like "fixity state". </a:t>
+            </a:r>
+          </a:p>
+          <a:p>
+            <a:r>
+              <a:rPr lang="en-ZW" dirty="0"/>
+              <a:t>The Analysis Visualization Framework AVF now better supports the structural analysis workflow, e.g. by including support for deformed shapes. </a:t>
+            </a:r>
+          </a:p>
+          <a:p>
+            <a:r>
+              <a:rPr lang="en-ZW" dirty="0"/>
+              <a:t>A Light and Light Group API provides new classes to get and set photometric data, including initial </a:t>
+            </a:r>
+            <a:r>
+              <a:rPr lang="en-ZW" dirty="0" err="1"/>
+              <a:t>color</a:t>
+            </a:r>
+            <a:r>
+              <a:rPr lang="en-ZW" dirty="0"/>
+              <a:t> and intensity, loss factor, </a:t>
+            </a:r>
+            <a:r>
+              <a:rPr lang="en-ZW" dirty="0" err="1"/>
+              <a:t>color</a:t>
+            </a:r>
+            <a:r>
+              <a:rPr lang="en-ZW" dirty="0"/>
+              <a:t> filter and dimming </a:t>
+            </a:r>
+            <a:r>
+              <a:rPr lang="en-ZW" dirty="0" err="1"/>
+              <a:t>color</a:t>
+            </a:r>
+            <a:r>
+              <a:rPr lang="en-ZW" dirty="0"/>
+              <a:t>. </a:t>
+            </a:r>
+          </a:p>
+          <a:p>
+            <a:r>
+              <a:rPr lang="en-ZW" dirty="0"/>
+              <a:t>The new </a:t>
+            </a:r>
+            <a:r>
+              <a:rPr lang="en-ZW" dirty="0" err="1"/>
+              <a:t>ReferenceIntersector</a:t>
+            </a:r>
+            <a:r>
+              <a:rPr lang="en-ZW" dirty="0"/>
+              <a:t> class mentioned above provides simplified and more performant ray-cast selection of elements using a given point and direction, similar to the existing </a:t>
+            </a:r>
+            <a:r>
+              <a:rPr lang="en-ZW" dirty="0" err="1"/>
+              <a:t>FindReferencesWithContextByDirection</a:t>
+            </a:r>
+            <a:r>
+              <a:rPr lang="en-ZW" dirty="0"/>
+              <a:t> method, with additional support for filtering the output, e.g. to collect elements, meshes, edges, curves, and faces.</a:t>
+            </a:r>
+          </a:p>
+        </p:txBody>
+      </p:sp>
+      <p:sp>
+        <p:nvSpPr>
+          <p:cNvPr id="4" name="Slide Number Placeholder 3"/>
+          <p:cNvSpPr>
+            <a:spLocks noGrp="1"/>
+          </p:cNvSpPr>
+          <p:nvPr>
+            <p:ph type="sldNum" sz="quarter" idx="10"/>
+          </p:nvPr>
+        </p:nvSpPr>
+        <p:spPr/>
+        <p:txBody>
+          <a:bodyPr/>
+          <a:lstStyle/>
+          <a:p>
+            <a:pPr>
+              <a:defRPr/>
+            </a:pPr>
+            <a:fld id="{9EC167E1-C60E-45A7-B40D-9629AC64C384}" type="slidenum">
+              <a:rPr lang="en-US" smtClean="0"/>
+              <a:pPr>
+                <a:defRPr/>
+              </a:pPr>
+              <a:t>42</a:t>
+            </a:fld>
+            <a:endParaRPr lang="en-US" dirty="0"/>
+          </a:p>
+        </p:txBody>
+      </p:sp>
+    </p:spTree>
+  </p:cSld>
+  <p:clrMapOvr>
+    <a:masterClrMapping/>
+  </p:clrMapOvr>
+</p:notes>
+</file>
+
+<file path=ppt/notesSlides/notesSlide34.xml><?xml version="1.0" encoding="utf-8"?>
+<p:notes xmlns:a="http://schemas.openxmlformats.org/drawingml/2006/main" xmlns:r="http://schemas.openxmlformats.org/officeDocument/2006/relationships" xmlns:p="http://schemas.openxmlformats.org/presentationml/2006/main">
+  <p:cSld>
+    <p:spTree>
+      <p:nvGrpSpPr>
+        <p:cNvPr id="1" name=""/>
+        <p:cNvGrpSpPr/>
+        <p:nvPr/>
+      </p:nvGrpSpPr>
+      <p:grpSpPr>
+        <a:xfrm>
+          <a:off x="0" y="0"/>
+          <a:ext cx="0" cy="0"/>
+          <a:chOff x="0" y="0"/>
+          <a:chExt cx="0" cy="0"/>
+        </a:xfrm>
+      </p:grpSpPr>
+      <p:sp>
+        <p:nvSpPr>
+          <p:cNvPr id="2" name="Slide Image Placeholder 1"/>
+          <p:cNvSpPr>
+            <a:spLocks noGrp="1" noRot="1" noChangeAspect="1"/>
+          </p:cNvSpPr>
+          <p:nvPr>
+            <p:ph type="sldImg"/>
+          </p:nvPr>
+        </p:nvSpPr>
+        <p:spPr/>
+      </p:sp>
+      <p:sp>
+        <p:nvSpPr>
+          <p:cNvPr id="3" name="Notes Placeholder 2"/>
+          <p:cNvSpPr>
+            <a:spLocks noGrp="1"/>
+          </p:cNvSpPr>
+          <p:nvPr>
+            <p:ph type="body" idx="1"/>
+          </p:nvPr>
+        </p:nvSpPr>
+        <p:spPr/>
+        <p:txBody>
+          <a:bodyPr>
             <a:normAutofit/>
           </a:bodyPr>
           <a:lstStyle/>
@@ -3957,64 +4015,6 @@
 </p:notes>
 </file>
 
-<file path=ppt/notesSlides/notesSlide34.xml><?xml version="1.0" encoding="utf-8"?>
-<p:notes xmlns:a="http://schemas.openxmlformats.org/drawingml/2006/main" xmlns:r="http://schemas.openxmlformats.org/officeDocument/2006/relationships" xmlns:p="http://schemas.openxmlformats.org/presentationml/2006/main">
-  <p:cSld>
-    <p:spTree>
-      <p:nvGrpSpPr>
-        <p:cNvPr id="1" name=""/>
-        <p:cNvGrpSpPr/>
-        <p:nvPr/>
-      </p:nvGrpSpPr>
-      <p:grpSpPr>
-        <a:xfrm>
-          <a:off x="0" y="0"/>
-          <a:ext cx="0" cy="0"/>
-          <a:chOff x="0" y="0"/>
-          <a:chExt cx="0" cy="0"/>
-        </a:xfrm>
-      </p:grpSpPr>
-      <p:sp>
-        <p:nvSpPr>
-          <p:cNvPr id="2" name="Slide Image Placeholder 1"/>
-          <p:cNvSpPr>
-            <a:spLocks noGrp="1" noRot="1" noChangeAspect="1"/>
-          </p:cNvSpPr>
-          <p:nvPr>
-            <p:ph type="sldImg"/>
-          </p:nvPr>
-        </p:nvSpPr>
-        <p:spPr/>
-      </p:sp>
-      <p:sp>
-        <p:nvSpPr>
-          <p:cNvPr id="3" name="Notes Placeholder 2"/>
-          <p:cNvSpPr>
-            <a:spLocks noGrp="1"/>
-          </p:cNvSpPr>
-          <p:nvPr>
-            <p:ph type="body" idx="1"/>
-          </p:nvPr>
-        </p:nvSpPr>
-        <p:spPr/>
-        <p:txBody>
-          <a:bodyPr>
-            <a:normAutofit/>
-          </a:bodyPr>
-          <a:lstStyle/>
-          <a:p>
-            <a:endParaRPr lang="en-GB"/>
-          </a:p>
-        </p:txBody>
-      </p:sp>
-    </p:spTree>
-  </p:cSld>
-  <p:clrMapOvr>
-    <a:masterClrMapping/>
-  </p:clrMapOvr>
-</p:notes>
-</file>
-
 <file path=ppt/notesSlides/notesSlide35.xml><?xml version="1.0" encoding="utf-8"?>
 <p:notes xmlns:a="http://schemas.openxmlformats.org/drawingml/2006/main" xmlns:r="http://schemas.openxmlformats.org/officeDocument/2006/relationships" xmlns:p="http://schemas.openxmlformats.org/presentationml/2006/main">
   <p:cSld>
@@ -4481,28 +4481,7 @@
           </a:bodyPr>
           <a:lstStyle/>
           <a:p>
-            <a:r>
-              <a:rPr lang="en-US" dirty="0"/>
-              <a:t>PanelSchedule: shows how to use the Revit MEP Panel Schedule API:</a:t>
-            </a:r>
-          </a:p>
-          <a:p>
-            <a:r>
-              <a:rPr lang="en-US" dirty="0"/>
-              <a:t>1. PanelScheduleExport - gets the panel schedule view data via the API and generate a CSV file or a HTML page from it.</a:t>
-            </a:r>
-          </a:p>
-          <a:p>
-            <a:r>
-              <a:rPr lang="en-US" dirty="0"/>
-              <a:t>2. InstanceViewCreation - Create a panel schedule view instance for an electrical panel you selected.</a:t>
-            </a:r>
-          </a:p>
-          <a:p>
-            <a:r>
-              <a:rPr lang="en-US" dirty="0"/>
-              <a:t>3. SheetImport - Place the panel schedule view(s) on a sheet view.</a:t>
-            </a:r>
+            <a:endParaRPr lang="en-GB"/>
           </a:p>
         </p:txBody>
       </p:sp>
@@ -4560,7 +4539,28 @@
           </a:bodyPr>
           <a:lstStyle/>
           <a:p>
-            <a:endParaRPr lang="en-GB"/>
+            <a:r>
+              <a:rPr lang="en-US" dirty="0"/>
+              <a:t>PanelSchedule: shows how to use the Revit MEP Panel Schedule API:</a:t>
+            </a:r>
+          </a:p>
+          <a:p>
+            <a:r>
+              <a:rPr lang="en-US" dirty="0"/>
+              <a:t>1. PanelScheduleExport - gets the panel schedule view data via the API and generate a CSV file or a HTML page from it.</a:t>
+            </a:r>
+          </a:p>
+          <a:p>
+            <a:r>
+              <a:rPr lang="en-US" dirty="0"/>
+              <a:t>2. InstanceViewCreation - Create a panel schedule view instance for an electrical panel you selected.</a:t>
+            </a:r>
+          </a:p>
+          <a:p>
+            <a:r>
+              <a:rPr lang="en-US" dirty="0"/>
+              <a:t>3. SheetImport - Place the panel schedule view(s) on a sheet view.</a:t>
+            </a:r>
           </a:p>
         </p:txBody>
       </p:sp>
@@ -4850,7 +4850,7 @@
           </a:bodyPr>
           <a:lstStyle/>
           <a:p>
-            <a:endParaRPr lang="en-US" dirty="0"/>
+            <a:endParaRPr lang="en-GB"/>
           </a:p>
         </p:txBody>
       </p:sp>
@@ -4908,7 +4908,7 @@
           </a:bodyPr>
           <a:lstStyle/>
           <a:p>
-            <a:endParaRPr lang="en-GB"/>
+            <a:endParaRPr lang="en-US" dirty="0"/>
           </a:p>
         </p:txBody>
       </p:sp>
@@ -5171,29 +5171,19 @@
       </p:grpSpPr>
       <p:sp>
         <p:nvSpPr>
-          <p:cNvPr id="17410" name="Slide Image Placeholder 1"/>
-          <p:cNvSpPr>
-            <a:spLocks noGrp="1" noRot="1" noChangeAspect="1" noTextEdit="1"/>
+          <p:cNvPr id="2" name="Slide Image Placeholder 1"/>
+          <p:cNvSpPr>
+            <a:spLocks noGrp="1" noRot="1" noChangeAspect="1"/>
           </p:cNvSpPr>
           <p:nvPr>
             <p:ph type="sldImg"/>
           </p:nvPr>
         </p:nvSpPr>
-        <p:spPr bwMode="auto">
-          <a:noFill/>
-          <a:ln>
-            <a:solidFill>
-              <a:srgbClr val="000000"/>
-            </a:solidFill>
-            <a:miter lim="800000"/>
-            <a:headEnd/>
-            <a:tailEnd/>
-          </a:ln>
-        </p:spPr>
-      </p:sp>
-      <p:sp>
-        <p:nvSpPr>
-          <p:cNvPr id="17411" name="Notes Placeholder 2"/>
+        <p:spPr/>
+      </p:sp>
+      <p:sp>
+        <p:nvSpPr>
+          <p:cNvPr id="3" name="Notes Placeholder 2"/>
           <p:cNvSpPr>
             <a:spLocks noGrp="1"/>
           </p:cNvSpPr>
@@ -5201,18 +5191,14 @@
             <p:ph type="body" idx="1"/>
           </p:nvPr>
         </p:nvSpPr>
-        <p:spPr bwMode="auto">
-          <a:noFill/>
-        </p:spPr>
-        <p:txBody>
-          <a:bodyPr wrap="square" numCol="1" anchor="t" anchorCtr="0" compatLnSpc="1">
-            <a:prstTxWarp prst="textNoShape">
-              <a:avLst/>
-            </a:prstTxWarp>
+        <p:spPr/>
+        <p:txBody>
+          <a:bodyPr>
+            <a:normAutofit/>
           </a:bodyPr>
           <a:lstStyle/>
           <a:p>
-            <a:endParaRPr lang="en-US" dirty="0"/>
+            <a:endParaRPr lang="en-GB"/>
           </a:p>
         </p:txBody>
       </p:sp>
@@ -5243,19 +5229,29 @@
       </p:grpSpPr>
       <p:sp>
         <p:nvSpPr>
-          <p:cNvPr id="2" name="Slide Image Placeholder 1"/>
-          <p:cNvSpPr>
-            <a:spLocks noGrp="1" noRot="1" noChangeAspect="1"/>
+          <p:cNvPr id="17410" name="Slide Image Placeholder 1"/>
+          <p:cNvSpPr>
+            <a:spLocks noGrp="1" noRot="1" noChangeAspect="1" noTextEdit="1"/>
           </p:cNvSpPr>
           <p:nvPr>
             <p:ph type="sldImg"/>
           </p:nvPr>
         </p:nvSpPr>
-        <p:spPr/>
-      </p:sp>
-      <p:sp>
-        <p:nvSpPr>
-          <p:cNvPr id="3" name="Notes Placeholder 2"/>
+        <p:spPr bwMode="auto">
+          <a:noFill/>
+          <a:ln>
+            <a:solidFill>
+              <a:srgbClr val="000000"/>
+            </a:solidFill>
+            <a:miter lim="800000"/>
+            <a:headEnd/>
+            <a:tailEnd/>
+          </a:ln>
+        </p:spPr>
+      </p:sp>
+      <p:sp>
+        <p:nvSpPr>
+          <p:cNvPr id="17411" name="Notes Placeholder 2"/>
           <p:cNvSpPr>
             <a:spLocks noGrp="1"/>
           </p:cNvSpPr>
@@ -5263,14 +5259,18 @@
             <p:ph type="body" idx="1"/>
           </p:nvPr>
         </p:nvSpPr>
-        <p:spPr/>
-        <p:txBody>
-          <a:bodyPr>
-            <a:normAutofit/>
+        <p:spPr bwMode="auto">
+          <a:noFill/>
+        </p:spPr>
+        <p:txBody>
+          <a:bodyPr wrap="square" numCol="1" anchor="t" anchorCtr="0" compatLnSpc="1">
+            <a:prstTxWarp prst="textNoShape">
+              <a:avLst/>
+            </a:prstTxWarp>
           </a:bodyPr>
           <a:lstStyle/>
           <a:p>
-            <a:endParaRPr lang="en-GB"/>
+            <a:endParaRPr lang="en-US" dirty="0"/>
           </a:p>
         </p:txBody>
       </p:sp>
@@ -5341,6 +5341,64 @@
 </file>
 
 <file path=ppt/notesSlides/notesSlide55.xml><?xml version="1.0" encoding="utf-8"?>
+<p:notes xmlns:a="http://schemas.openxmlformats.org/drawingml/2006/main" xmlns:r="http://schemas.openxmlformats.org/officeDocument/2006/relationships" xmlns:p="http://schemas.openxmlformats.org/presentationml/2006/main">
+  <p:cSld>
+    <p:spTree>
+      <p:nvGrpSpPr>
+        <p:cNvPr id="1" name=""/>
+        <p:cNvGrpSpPr/>
+        <p:nvPr/>
+      </p:nvGrpSpPr>
+      <p:grpSpPr>
+        <a:xfrm>
+          <a:off x="0" y="0"/>
+          <a:ext cx="0" cy="0"/>
+          <a:chOff x="0" y="0"/>
+          <a:chExt cx="0" cy="0"/>
+        </a:xfrm>
+      </p:grpSpPr>
+      <p:sp>
+        <p:nvSpPr>
+          <p:cNvPr id="2" name="Slide Image Placeholder 1"/>
+          <p:cNvSpPr>
+            <a:spLocks noGrp="1" noRot="1" noChangeAspect="1"/>
+          </p:cNvSpPr>
+          <p:nvPr>
+            <p:ph type="sldImg"/>
+          </p:nvPr>
+        </p:nvSpPr>
+        <p:spPr/>
+      </p:sp>
+      <p:sp>
+        <p:nvSpPr>
+          <p:cNvPr id="3" name="Notes Placeholder 2"/>
+          <p:cNvSpPr>
+            <a:spLocks noGrp="1"/>
+          </p:cNvSpPr>
+          <p:nvPr>
+            <p:ph type="body" idx="1"/>
+          </p:nvPr>
+        </p:nvSpPr>
+        <p:spPr/>
+        <p:txBody>
+          <a:bodyPr>
+            <a:normAutofit/>
+          </a:bodyPr>
+          <a:lstStyle/>
+          <a:p>
+            <a:endParaRPr lang="en-GB"/>
+          </a:p>
+        </p:txBody>
+      </p:sp>
+    </p:spTree>
+  </p:cSld>
+  <p:clrMapOvr>
+    <a:masterClrMapping/>
+  </p:clrMapOvr>
+</p:notes>
+</file>
+
+<file path=ppt/notesSlides/notesSlide56.xml><?xml version="1.0" encoding="utf-8"?>
 <p:notes xmlns:a="http://schemas.openxmlformats.org/drawingml/2006/main" xmlns:r="http://schemas.openxmlformats.org/officeDocument/2006/relationships" xmlns:p="http://schemas.openxmlformats.org/presentationml/2006/main">
   <p:cSld>
     <p:spTree>
@@ -5531,27 +5589,19 @@
         </p:nvSpPr>
         <p:spPr/>
         <p:txBody>
-          <a:bodyPr>
-            <a:normAutofit/>
-          </a:bodyPr>
-          <a:lstStyle/>
-          <a:p>
-            <a:r>
-              <a:rPr lang="en-GB" dirty="0"/>
-              <a:t>New classes in the Autodesk.Revit.DB.Analysis namespace provide access to the elements and objects created by Revit to perform energy analysis on conceptual design models.</a:t>
-            </a:r>
-            <a:r>
-              <a:rPr lang="en-GB" baseline="0" dirty="0"/>
-              <a:t> </a:t>
-            </a:r>
-            <a:r>
-              <a:rPr lang="en-GB" dirty="0"/>
-              <a:t>The method Document Export method overload taking a MassGBXMLExportOptions argument exports a gbXML file containing conceptual energy analysis elements (mass elements) only.</a:t>
-            </a:r>
+          <a:bodyPr/>
+          <a:lstStyle/>
+          <a:p>
+            <a:endParaRPr lang="en-US" dirty="0"/>
           </a:p>
         </p:txBody>
       </p:sp>
     </p:spTree>
+    <p:extLst>
+      <p:ext uri="{BB962C8B-B14F-4D97-AF65-F5344CB8AC3E}">
+        <p14:creationId xmlns:p14="http://schemas.microsoft.com/office/powerpoint/2010/main" val="2963241604"/>
+      </p:ext>
+    </p:extLst>
   </p:cSld>
   <p:clrMapOvr>
     <a:masterClrMapping/>
@@ -5601,119 +5651,21 @@
         <p:spPr/>
         <p:txBody>
           <a:bodyPr>
-            <a:normAutofit fontScale="85000" lnSpcReduction="20000"/>
+            <a:normAutofit/>
           </a:bodyPr>
           <a:lstStyle/>
           <a:p>
             <a:r>
-              <a:rPr lang="en-US" dirty="0"/>
-              <a:t>Open </a:t>
-            </a:r>
-          </a:p>
-          <a:p>
-            <a:endParaRPr lang="en-US" dirty="0"/>
-          </a:p>
-          <a:p>
-            <a:r>
-              <a:rPr lang="en-US" dirty="0"/>
-              <a:t>C:\a\lib\revit\2021\SDK\Samples\GeometryAPI\EnergyAnalysisModel\EnergyAnalysisModel.rvt</a:t>
-            </a:r>
-          </a:p>
-          <a:p>
-            <a:r>
-              <a:rPr lang="en-US" dirty="0"/>
-              <a:t>C:\a\doc\revit\au\2021\sample\Urban House MEP - 2021.rvt</a:t>
-            </a:r>
-          </a:p>
-          <a:p>
-            <a:endParaRPr lang="en-US" dirty="0"/>
-          </a:p>
-          <a:p>
-            <a:r>
-              <a:rPr lang="en-US" dirty="0"/>
-              <a:t>Run RvtSamples &gt; Analysis &gt; </a:t>
-            </a:r>
-            <a:r>
-              <a:rPr lang="en-GB" dirty="0"/>
-              <a:t>EnergyAnalysisModel.</a:t>
-            </a:r>
-          </a:p>
-          <a:p>
-            <a:pPr marL="0" marR="0" indent="0" algn="l" defTabSz="1298575" rtl="0" eaLnBrk="0" fontAlgn="base" latinLnBrk="0" hangingPunct="0">
-              <a:lnSpc>
-                <a:spcPct val="100000"/>
-              </a:lnSpc>
-              <a:spcBef>
-                <a:spcPct val="30000"/>
-              </a:spcBef>
-              <a:spcAft>
-                <a:spcPct val="0"/>
-              </a:spcAft>
-              <a:buClrTx/>
-              <a:buSzTx/>
-              <a:buFontTx/>
-              <a:buNone/>
-              <a:tabLst/>
-              <a:defRPr/>
-            </a:pPr>
-            <a:endParaRPr lang="en-GB" dirty="0"/>
-          </a:p>
-          <a:p>
-            <a:pPr marL="0" marR="0" indent="0" algn="l" defTabSz="1298575" rtl="0" eaLnBrk="0" fontAlgn="base" latinLnBrk="0" hangingPunct="0">
-              <a:lnSpc>
-                <a:spcPct val="100000"/>
-              </a:lnSpc>
-              <a:spcBef>
-                <a:spcPct val="30000"/>
-              </a:spcBef>
-              <a:spcAft>
-                <a:spcPct val="0"/>
-              </a:spcAft>
-              <a:buClrTx/>
-              <a:buSzTx/>
-              <a:buFontTx/>
-              <a:buNone/>
-              <a:tabLst/>
-              <a:defRPr/>
-            </a:pPr>
-            <a:r>
-              <a:rPr lang="en-GB" dirty="0"/>
-              <a:t>EnergyAnalysisDetailModelTier specifies</a:t>
+              <a:rPr lang="en-GB" dirty="0"/>
+              <a:t>New classes in the Autodesk.Revit.DB.Analysis namespace provide access to the elements and objects created by Revit to perform energy analysis on conceptual design models.</a:t>
             </a:r>
             <a:r>
               <a:rPr lang="en-GB" baseline="0" dirty="0"/>
-              <a:t> l</a:t>
-            </a:r>
-            <a:r>
-              <a:rPr lang="en-US" dirty="0"/>
-              <a:t>evel of computation detail for energy analysis model.</a:t>
-            </a:r>
-          </a:p>
-          <a:p>
-            <a:endParaRPr lang="en-US" dirty="0"/>
-          </a:p>
-          <a:p>
-            <a:r>
-              <a:rPr lang="en-US" dirty="0"/>
-              <a:t>This new API provides access to the contents of a project's detailed energy analysis model, as seen in the Export to gbXML and the Heating and Cooling Loads features.</a:t>
-            </a:r>
-          </a:p>
-          <a:p>
-            <a:endParaRPr lang="en-US" dirty="0"/>
-          </a:p>
-          <a:p>
-            <a:r>
-              <a:rPr lang="en-US" dirty="0"/>
-              <a:t>This analysis produces an analytical thermal model from the physical model of a building. The analytical thermal model is composed of spaces, zones and planar surfaces that represent the actual volumetric elements of the building.</a:t>
-            </a:r>
-          </a:p>
-          <a:p>
-            <a:endParaRPr lang="en-US" dirty="0"/>
-          </a:p>
-          <a:p>
-            <a:r>
-              <a:rPr lang="en-US" dirty="0"/>
-              <a:t>New classes in Autodesk.Revit.DB.Analysis namespace for the energy analysis detail model itself, creation options, openings, spaces, surfaces and loops can be used to generate and analyze the contents of the detailed energy analysis model. The EnergyAnalysisDetailModel Create method creates and populates the model with appropriate options selected. The methods GetAnalyticalSpace, GetAnalyticalSurfaces, GetAnalyticalOpenings and GetAnalyticalShadingSurfaces extract entities from the analysis model. The method Destroy cleans up the Revit database after finishing with the analysis results.</a:t>
+              <a:t> </a:t>
+            </a:r>
+            <a:r>
+              <a:rPr lang="en-GB" dirty="0"/>
+              <a:t>The method Document Export method overload taking a MassGBXMLExportOptions argument exports a gbXML file containing conceptual energy analysis elements (mass elements) only.</a:t>
             </a:r>
           </a:p>
         </p:txBody>
@@ -5768,11 +5720,128 @@
         <p:spPr/>
         <p:txBody>
           <a:bodyPr>
-            <a:normAutofit/>
+            <a:normAutofit fontScale="85000" lnSpcReduction="20000"/>
           </a:bodyPr>
           <a:lstStyle/>
           <a:p>
-            <a:endParaRPr lang="en-GB"/>
+            <a:r>
+              <a:rPr lang="en-US" dirty="0"/>
+              <a:t>Open </a:t>
+            </a:r>
+          </a:p>
+          <a:p>
+            <a:endParaRPr lang="en-US" dirty="0"/>
+          </a:p>
+          <a:p>
+            <a:r>
+              <a:rPr lang="en-US" dirty="0"/>
+              <a:t>C:\a\lib\revit\2022\SDK\Samples\GeometryAPI\EnergyAnalysisModel\EnergyAnalysisModel.rvt</a:t>
+            </a:r>
+          </a:p>
+          <a:p>
+            <a:r>
+              <a:rPr lang="en-US" dirty="0"/>
+              <a:t>C:\a\doc\revit\au\2022\sample\Urban House MEP </a:t>
+            </a:r>
+            <a:r>
+              <a:rPr lang="en-US"/>
+              <a:t>- 2022.</a:t>
+            </a:r>
+            <a:r>
+              <a:rPr lang="en-US" dirty="0"/>
+              <a:t>rvt</a:t>
+            </a:r>
+          </a:p>
+          <a:p>
+            <a:endParaRPr lang="en-US" dirty="0"/>
+          </a:p>
+          <a:p>
+            <a:r>
+              <a:rPr lang="en-US" dirty="0"/>
+              <a:t>Run RvtSamples &gt; Analysis &gt; </a:t>
+            </a:r>
+            <a:r>
+              <a:rPr lang="en-GB" dirty="0"/>
+              <a:t>EnergyAnalysisModel.</a:t>
+            </a:r>
+          </a:p>
+          <a:p>
+            <a:pPr marL="0" marR="0" indent="0" algn="l" defTabSz="1298575" rtl="0" eaLnBrk="0" fontAlgn="base" latinLnBrk="0" hangingPunct="0">
+              <a:lnSpc>
+                <a:spcPct val="100000"/>
+              </a:lnSpc>
+              <a:spcBef>
+                <a:spcPct val="30000"/>
+              </a:spcBef>
+              <a:spcAft>
+                <a:spcPct val="0"/>
+              </a:spcAft>
+              <a:buClrTx/>
+              <a:buSzTx/>
+              <a:buFontTx/>
+              <a:buNone/>
+              <a:tabLst/>
+              <a:defRPr/>
+            </a:pPr>
+            <a:endParaRPr lang="en-GB" dirty="0"/>
+          </a:p>
+          <a:p>
+            <a:pPr marL="0" marR="0" indent="0" algn="l" defTabSz="1298575" rtl="0" eaLnBrk="0" fontAlgn="base" latinLnBrk="0" hangingPunct="0">
+              <a:lnSpc>
+                <a:spcPct val="100000"/>
+              </a:lnSpc>
+              <a:spcBef>
+                <a:spcPct val="30000"/>
+              </a:spcBef>
+              <a:spcAft>
+                <a:spcPct val="0"/>
+              </a:spcAft>
+              <a:buClrTx/>
+              <a:buSzTx/>
+              <a:buFontTx/>
+              <a:buNone/>
+              <a:tabLst/>
+              <a:defRPr/>
+            </a:pPr>
+            <a:r>
+              <a:rPr lang="en-GB" dirty="0"/>
+              <a:t>EnergyAnalysisDetailModelTier specifies</a:t>
+            </a:r>
+            <a:r>
+              <a:rPr lang="en-GB" baseline="0" dirty="0"/>
+              <a:t> l</a:t>
+            </a:r>
+            <a:r>
+              <a:rPr lang="en-US" dirty="0"/>
+              <a:t>evel of computation detail for energy analysis model.</a:t>
+            </a:r>
+          </a:p>
+          <a:p>
+            <a:endParaRPr lang="en-US" dirty="0"/>
+          </a:p>
+          <a:p>
+            <a:r>
+              <a:rPr lang="en-US" dirty="0"/>
+              <a:t>This new API provides access to the contents of a project's detailed energy analysis model, as seen in the Export to gbXML and the Heating and Cooling Loads features.</a:t>
+            </a:r>
+          </a:p>
+          <a:p>
+            <a:endParaRPr lang="en-US" dirty="0"/>
+          </a:p>
+          <a:p>
+            <a:r>
+              <a:rPr lang="en-US" dirty="0"/>
+              <a:t>This analysis produces an analytical thermal model from the physical model of a building. The analytical thermal model is composed of spaces, zones and planar surfaces that represent the actual volumetric elements of the building.</a:t>
+            </a:r>
+          </a:p>
+          <a:p>
+            <a:endParaRPr lang="en-US" dirty="0"/>
+          </a:p>
+          <a:p>
+            <a:r>
+              <a:rPr lang="en-US" dirty="0"/>
+              <a:t>New classes in Autodesk.Revit.DB.Analysis namespace for the energy analysis detail model itself, creation options, openings, spaces, surfaces and loops can be used to generate and analyze the contents of the detailed energy analysis model. The EnergyAnalysisDetailModel Create method creates and populates the model with appropriate options selected. The methods GetAnalyticalSpace, GetAnalyticalSurfaces, GetAnalyticalOpenings and GetAnalyticalShadingSurfaces extract entities from the analysis model. The method Destroy cleans up the Revit database after finishing with the analysis results.</a:t>
+            </a:r>
           </a:p>
         </p:txBody>
       </p:sp>
@@ -14635,14 +14704,14 @@
           <a:p>
             <a:r>
               <a:rPr lang="en-US" dirty="0"/>
-              <a:t>My First Revit 2021 Add-in</a:t>
+              <a:t>My First Revit 2022 Add-in</a:t>
             </a:r>
             <a:endParaRPr lang="en-US" noProof="0" dirty="0"/>
           </a:p>
           <a:p>
             <a:r>
               <a:rPr lang="en-US" noProof="0" dirty="0"/>
-              <a:t>Illustrates all major Revit 2021 API renovations</a:t>
+              <a:t>Illustrates all major Revit 2012 API renovations</a:t>
             </a:r>
             <a:endParaRPr lang="en-GB" dirty="0"/>
           </a:p>
